--- a/usp/Lstructure.pptx
+++ b/usp/Lstructure.pptx
@@ -6,24 +6,36 @@
   </p:sldMasterIdLst>
   <p:sldIdLst>
     <p:sldId id="256" r:id="rId2"/>
-    <p:sldId id="257" r:id="rId3"/>
-    <p:sldId id="258" r:id="rId4"/>
-    <p:sldId id="259" r:id="rId5"/>
-    <p:sldId id="260" r:id="rId6"/>
-    <p:sldId id="261" r:id="rId7"/>
-    <p:sldId id="262" r:id="rId8"/>
-    <p:sldId id="263" r:id="rId9"/>
-    <p:sldId id="264" r:id="rId10"/>
-    <p:sldId id="265" r:id="rId11"/>
-    <p:sldId id="266" r:id="rId12"/>
-    <p:sldId id="267" r:id="rId13"/>
-    <p:sldId id="268" r:id="rId14"/>
-    <p:sldId id="269" r:id="rId15"/>
-    <p:sldId id="270" r:id="rId16"/>
-    <p:sldId id="271" r:id="rId17"/>
-    <p:sldId id="272" r:id="rId18"/>
-    <p:sldId id="273" r:id="rId19"/>
-    <p:sldId id="274" r:id="rId20"/>
+    <p:sldId id="275" r:id="rId3"/>
+    <p:sldId id="257" r:id="rId4"/>
+    <p:sldId id="276" r:id="rId5"/>
+    <p:sldId id="289" r:id="rId6"/>
+    <p:sldId id="287" r:id="rId7"/>
+    <p:sldId id="288" r:id="rId8"/>
+    <p:sldId id="261" r:id="rId9"/>
+    <p:sldId id="290" r:id="rId10"/>
+    <p:sldId id="262" r:id="rId11"/>
+    <p:sldId id="263" r:id="rId12"/>
+    <p:sldId id="264" r:id="rId13"/>
+    <p:sldId id="278" r:id="rId14"/>
+    <p:sldId id="279" r:id="rId15"/>
+    <p:sldId id="280" r:id="rId16"/>
+    <p:sldId id="281" r:id="rId17"/>
+    <p:sldId id="282" r:id="rId18"/>
+    <p:sldId id="283" r:id="rId19"/>
+    <p:sldId id="284" r:id="rId20"/>
+    <p:sldId id="285" r:id="rId21"/>
+    <p:sldId id="286" r:id="rId22"/>
+    <p:sldId id="265" r:id="rId23"/>
+    <p:sldId id="266" r:id="rId24"/>
+    <p:sldId id="267" r:id="rId25"/>
+    <p:sldId id="268" r:id="rId26"/>
+    <p:sldId id="269" r:id="rId27"/>
+    <p:sldId id="270" r:id="rId28"/>
+    <p:sldId id="271" r:id="rId29"/>
+    <p:sldId id="272" r:id="rId30"/>
+    <p:sldId id="273" r:id="rId31"/>
+    <p:sldId id="274" r:id="rId32"/>
   </p:sldIdLst>
   <p:sldSz cx="12192000" cy="6858000"/>
   <p:notesSz cx="6858000" cy="9144000"/>
@@ -122,6 +134,11 @@
       </a:defRPr>
     </a:lvl9pPr>
   </p:defaultTextStyle>
+  <p:extLst>
+    <p:ext uri="{EFAFB233-063F-42B5-8137-9DF3F51BA10A}">
+      <p15:sldGuideLst xmlns:p15="http://schemas.microsoft.com/office/powerpoint/2012/main"/>
+    </p:ext>
+  </p:extLst>
 </p:presentation>
 </file>
 
@@ -3078,7 +3095,7 @@
           <a:p>
             <a:r>
               <a:rPr lang="en-US" dirty="0"/>
-              <a:t>Error Handling</a:t>
+              <a:t>DOM Manipulation</a:t>
             </a:r>
           </a:p>
         </p:txBody>
@@ -3095,19 +3112,125 @@
         </p:nvSpPr>
         <p:spPr/>
         <p:txBody>
-          <a:bodyPr/>
-          <a:lstStyle/>
-          <a:p>
-            <a:r>
-              <a:rPr lang="en-US" dirty="0"/>
-              <a:t>try...catch statements,</a:t>
-            </a:r>
-          </a:p>
-          <a:p>
-            <a:r>
-              <a:rPr lang="en-US" dirty="0"/>
-              <a:t> Throwing and catching errors</a:t>
-            </a:r>
+          <a:bodyPr>
+            <a:normAutofit fontScale="77500" lnSpcReduction="20000"/>
+          </a:bodyPr>
+          <a:lstStyle/>
+          <a:p>
+            <a:r>
+              <a:rPr lang="en-US" dirty="0"/>
+              <a:t>The &lt;script&gt; </a:t>
+            </a:r>
+            <a:r>
+              <a:rPr lang="en-US" dirty="0" smtClean="0"/>
+              <a:t>Tag,</a:t>
+            </a:r>
+          </a:p>
+          <a:p>
+            <a:r>
+              <a:rPr lang="en-US" dirty="0"/>
+              <a:t>Document object</a:t>
+            </a:r>
+            <a:r>
+              <a:rPr lang="en-US" dirty="0" smtClean="0"/>
+              <a:t>,</a:t>
+            </a:r>
+            <a:endParaRPr lang="en-US" dirty="0" smtClean="0"/>
+          </a:p>
+          <a:p>
+            <a:r>
+              <a:rPr lang="en-US" dirty="0" smtClean="0"/>
+              <a:t>Selecting </a:t>
+            </a:r>
+            <a:r>
+              <a:rPr lang="en-US" dirty="0"/>
+              <a:t>elements</a:t>
+            </a:r>
+            <a:r>
+              <a:rPr lang="en-US" dirty="0" smtClean="0"/>
+              <a:t>,</a:t>
+            </a:r>
+          </a:p>
+          <a:p>
+            <a:r>
+              <a:rPr lang="en-US" dirty="0" smtClean="0"/>
+              <a:t>Modifying </a:t>
+            </a:r>
+            <a:r>
+              <a:rPr lang="en-US" dirty="0"/>
+              <a:t>element content,</a:t>
+            </a:r>
+          </a:p>
+          <a:p>
+            <a:r>
+              <a:rPr lang="en-US" dirty="0"/>
+              <a:t>attributes, and styles,</a:t>
+            </a:r>
+          </a:p>
+          <a:p>
+            <a:r>
+              <a:rPr lang="en-US" dirty="0"/>
+              <a:t>Event handling,</a:t>
+            </a:r>
+          </a:p>
+          <a:p>
+            <a:r>
+              <a:rPr lang="en-US" dirty="0"/>
+              <a:t>Creating and removing </a:t>
+            </a:r>
+            <a:r>
+              <a:rPr lang="en-US" dirty="0" smtClean="0"/>
+              <a:t>elements,</a:t>
+            </a:r>
+          </a:p>
+          <a:p>
+            <a:r>
+              <a:rPr lang="en-US" dirty="0" err="1" smtClean="0"/>
+              <a:t>innerHTML</a:t>
+            </a:r>
+            <a:r>
+              <a:rPr lang="en-US" dirty="0" smtClean="0"/>
+              <a:t>,</a:t>
+            </a:r>
+          </a:p>
+          <a:p>
+            <a:r>
+              <a:rPr lang="en-US" dirty="0" err="1"/>
+              <a:t>document.write</a:t>
+            </a:r>
+            <a:r>
+              <a:rPr lang="en-US" dirty="0" smtClean="0"/>
+              <a:t>(),</a:t>
+            </a:r>
+          </a:p>
+          <a:p>
+            <a:r>
+              <a:rPr lang="en-US" dirty="0" err="1"/>
+              <a:t>window.alert</a:t>
+            </a:r>
+            <a:r>
+              <a:rPr lang="en-US" dirty="0" smtClean="0"/>
+              <a:t>(),</a:t>
+            </a:r>
+          </a:p>
+          <a:p>
+            <a:r>
+              <a:rPr lang="en-US" dirty="0"/>
+              <a:t>console.log</a:t>
+            </a:r>
+            <a:r>
+              <a:rPr lang="en-US" dirty="0" smtClean="0"/>
+              <a:t>(),</a:t>
+            </a:r>
+          </a:p>
+          <a:p>
+            <a:r>
+              <a:rPr lang="en-US" dirty="0"/>
+              <a:t>JavaScript Events</a:t>
+            </a:r>
+          </a:p>
+          <a:p>
+            <a:endParaRPr lang="en-US" dirty="0"/>
           </a:p>
           <a:p>
             <a:endParaRPr lang="en-US" dirty="0"/>
@@ -3117,7 +3240,7 @@
     </p:spTree>
     <p:extLst>
       <p:ext uri="{BB962C8B-B14F-4D97-AF65-F5344CB8AC3E}">
-        <p14:creationId xmlns:p14="http://schemas.microsoft.com/office/powerpoint/2010/main" val="4067154454"/>
+        <p14:creationId xmlns:p14="http://schemas.microsoft.com/office/powerpoint/2010/main" val="140761546"/>
       </p:ext>
     </p:extLst>
   </p:cSld>
@@ -3168,7 +3291,7 @@
           <a:p>
             <a:r>
               <a:rPr lang="en-US" dirty="0"/>
-              <a:t>Regular Expressions</a:t>
+              <a:t>Browser APIs</a:t>
             </a:r>
           </a:p>
         </p:txBody>
@@ -3190,11 +3313,25 @@
           <a:p>
             <a:r>
               <a:rPr lang="en-US" dirty="0"/>
-              <a:t>Pattern matching with </a:t>
-            </a:r>
+              <a:t>Local Storage, </a:t>
+            </a:r>
+          </a:p>
+          <a:p>
+            <a:r>
+              <a:rPr lang="en-US" dirty="0"/>
+              <a:t>Fetch API, </a:t>
+            </a:r>
+          </a:p>
+          <a:p>
+            <a:r>
+              <a:rPr lang="en-US" dirty="0"/>
+              <a:t>Geolocation API, </a:t>
+            </a:r>
+          </a:p>
+          <a:p>
             <a:r>
               <a:rPr lang="en-US" dirty="0" err="1"/>
-              <a:t>RegExp</a:t>
+              <a:t>WebSockets</a:t>
             </a:r>
             <a:r>
               <a:rPr lang="en-US" dirty="0"/>
@@ -3203,12 +3340,8 @@
           </a:p>
           <a:p>
             <a:r>
-              <a:rPr lang="en-US" dirty="0" err="1"/>
-              <a:t>RegExp</a:t>
-            </a:r>
-            <a:r>
-              <a:rPr lang="en-US" dirty="0"/>
-              <a:t> methods (test, exec, etc.).</a:t>
+              <a:rPr lang="en-US" dirty="0"/>
+              <a:t>Canvas API.</a:t>
             </a:r>
           </a:p>
           <a:p>
@@ -3219,7 +3352,7 @@
     </p:spTree>
     <p:extLst>
       <p:ext uri="{BB962C8B-B14F-4D97-AF65-F5344CB8AC3E}">
-        <p14:creationId xmlns:p14="http://schemas.microsoft.com/office/powerpoint/2010/main" val="3248203381"/>
+        <p14:creationId xmlns:p14="http://schemas.microsoft.com/office/powerpoint/2010/main" val="3275201780"/>
       </p:ext>
     </p:extLst>
   </p:cSld>
@@ -3270,7 +3403,7 @@
           <a:p>
             <a:r>
               <a:rPr lang="en-US" dirty="0"/>
-              <a:t>Debugging</a:t>
+              <a:t>ES6+ Features</a:t>
             </a:r>
           </a:p>
         </p:txBody>
@@ -3292,22 +3425,69 @@
           <a:p>
             <a:r>
               <a:rPr lang="en-US" dirty="0"/>
-              <a:t>Using browser developer tools, </a:t>
-            </a:r>
-          </a:p>
-          <a:p>
-            <a:r>
-              <a:rPr lang="en-US" dirty="0"/>
-              <a:t>Console methods (console.log, </a:t>
-            </a:r>
+              <a:t>Template literals, </a:t>
+            </a:r>
+          </a:p>
+          <a:p>
             <a:r>
               <a:rPr lang="en-US" dirty="0" err="1"/>
-              <a:t>console.error</a:t>
-            </a:r>
-            <a:r>
-              <a:rPr lang="en-US" dirty="0"/>
-              <a:t>, etc.).</a:t>
-            </a:r>
+              <a:t>Destructuring</a:t>
+            </a:r>
+            <a:r>
+              <a:rPr lang="en-US" dirty="0"/>
+              <a:t>, </a:t>
+            </a:r>
+          </a:p>
+          <a:p>
+            <a:r>
+              <a:rPr lang="en-US" dirty="0"/>
+              <a:t>Default parameters, </a:t>
+            </a:r>
+          </a:p>
+          <a:p>
+            <a:r>
+              <a:rPr lang="en-US" dirty="0"/>
+              <a:t>Rest and spread operators, </a:t>
+            </a:r>
+          </a:p>
+          <a:p>
+            <a:r>
+              <a:rPr lang="en-US" dirty="0"/>
+              <a:t>Modules, </a:t>
+            </a:r>
+          </a:p>
+          <a:p>
+            <a:r>
+              <a:rPr lang="en-US" dirty="0"/>
+              <a:t>let and </a:t>
+            </a:r>
+            <a:r>
+              <a:rPr lang="en-US" dirty="0" err="1"/>
+              <a:t>const</a:t>
+            </a:r>
+            <a:r>
+              <a:rPr lang="en-US" dirty="0"/>
+              <a:t>,</a:t>
+            </a:r>
+          </a:p>
+          <a:p>
+            <a:r>
+              <a:rPr lang="en-US" dirty="0"/>
+              <a:t>Symbol (ES6</a:t>
+            </a:r>
+            <a:r>
+              <a:rPr lang="en-US" dirty="0" smtClean="0"/>
+              <a:t>)</a:t>
+            </a:r>
+          </a:p>
+          <a:p>
+            <a:r>
+              <a:rPr lang="en-US" dirty="0" smtClean="0"/>
+              <a:t>Let</a:t>
+            </a:r>
+          </a:p>
+          <a:p>
+            <a:endParaRPr lang="en-US" dirty="0" smtClean="0"/>
           </a:p>
           <a:p>
             <a:endParaRPr lang="en-US" dirty="0"/>
@@ -3317,7 +3497,7 @@
     </p:spTree>
     <p:extLst>
       <p:ext uri="{BB962C8B-B14F-4D97-AF65-F5344CB8AC3E}">
-        <p14:creationId xmlns:p14="http://schemas.microsoft.com/office/powerpoint/2010/main" val="3221492007"/>
+        <p14:creationId xmlns:p14="http://schemas.microsoft.com/office/powerpoint/2010/main" val="997767887"/>
       </p:ext>
     </p:extLst>
   </p:cSld>
@@ -3367,9 +3547,10 @@
           <a:lstStyle/>
           <a:p>
             <a:r>
-              <a:rPr lang="en-US" dirty="0"/>
-              <a:t>Performance Optimization</a:t>
-            </a:r>
+              <a:rPr lang="en-US" dirty="0" smtClean="0"/>
+              <a:t>Es6 – es2015</a:t>
+            </a:r>
+            <a:endParaRPr lang="en-US" dirty="0"/>
           </a:p>
         </p:txBody>
       </p:sp>
@@ -3380,44 +3561,308 @@
             <a:spLocks noGrp="1"/>
           </p:cNvSpPr>
           <p:nvPr>
-            <p:ph idx="1"/>
-          </p:nvPr>
-        </p:nvSpPr>
-        <p:spPr/>
-        <p:txBody>
-          <a:bodyPr/>
-          <a:lstStyle/>
-          <a:p>
-            <a:r>
-              <a:rPr lang="en-US" dirty="0" err="1"/>
-              <a:t>Minification</a:t>
-            </a:r>
-            <a:r>
-              <a:rPr lang="en-US" dirty="0"/>
-              <a:t> and bundling, </a:t>
-            </a:r>
-          </a:p>
-          <a:p>
-            <a:r>
-              <a:rPr lang="en-US" dirty="0"/>
-              <a:t>Lazy loading, </a:t>
-            </a:r>
-          </a:p>
-          <a:p>
-            <a:r>
-              <a:rPr lang="en-US" dirty="0"/>
-              <a:t>Caching, </a:t>
-            </a:r>
-          </a:p>
-          <a:p>
-            <a:r>
-              <a:rPr lang="en-US" dirty="0" err="1"/>
-              <a:t>Debouncing</a:t>
-            </a:r>
-            <a:r>
-              <a:rPr lang="en-US" dirty="0"/>
-              <a:t> and throttling.</a:t>
-            </a:r>
+            <p:ph sz="half" idx="1"/>
+          </p:nvPr>
+        </p:nvSpPr>
+        <p:spPr/>
+        <p:txBody>
+          <a:bodyPr>
+            <a:normAutofit fontScale="62500" lnSpcReduction="20000"/>
+          </a:bodyPr>
+          <a:lstStyle/>
+          <a:p>
+            <a:r>
+              <a:rPr lang="en-US" dirty="0">
+                <a:hlinkClick r:id="rId2"/>
+              </a:rPr>
+              <a:t>The let keyword</a:t>
+            </a:r>
+            <a:endParaRPr lang="en-US" dirty="0"/>
+          </a:p>
+          <a:p>
+            <a:r>
+              <a:rPr lang="en-US" dirty="0">
+                <a:hlinkClick r:id="rId3"/>
+              </a:rPr>
+              <a:t>The </a:t>
+            </a:r>
+            <a:r>
+              <a:rPr lang="en-US" dirty="0" err="1">
+                <a:hlinkClick r:id="rId3"/>
+              </a:rPr>
+              <a:t>const</a:t>
+            </a:r>
+            <a:r>
+              <a:rPr lang="en-US" dirty="0">
+                <a:hlinkClick r:id="rId3"/>
+              </a:rPr>
+              <a:t> keyword</a:t>
+            </a:r>
+            <a:endParaRPr lang="en-US" dirty="0"/>
+          </a:p>
+          <a:p>
+            <a:r>
+              <a:rPr lang="en-US" dirty="0">
+                <a:hlinkClick r:id="rId4"/>
+              </a:rPr>
+              <a:t>Arrow Functions</a:t>
+            </a:r>
+            <a:endParaRPr lang="en-US" dirty="0"/>
+          </a:p>
+          <a:p>
+            <a:r>
+              <a:rPr lang="en-US" dirty="0">
+                <a:hlinkClick r:id="rId5"/>
+              </a:rPr>
+              <a:t>The ... Operator</a:t>
+            </a:r>
+            <a:endParaRPr lang="en-US" dirty="0"/>
+          </a:p>
+          <a:p>
+            <a:r>
+              <a:rPr lang="en-US" dirty="0">
+                <a:hlinkClick r:id="rId6"/>
+              </a:rPr>
+              <a:t>For/of</a:t>
+            </a:r>
+            <a:endParaRPr lang="en-US" dirty="0"/>
+          </a:p>
+          <a:p>
+            <a:r>
+              <a:rPr lang="en-US" dirty="0">
+                <a:hlinkClick r:id="rId7"/>
+              </a:rPr>
+              <a:t>Map Objects</a:t>
+            </a:r>
+            <a:endParaRPr lang="en-US" dirty="0"/>
+          </a:p>
+          <a:p>
+            <a:r>
+              <a:rPr lang="en-US" dirty="0">
+                <a:hlinkClick r:id="rId8"/>
+              </a:rPr>
+              <a:t>Set Objects</a:t>
+            </a:r>
+            <a:endParaRPr lang="en-US" dirty="0"/>
+          </a:p>
+          <a:p>
+            <a:r>
+              <a:rPr lang="en-US" dirty="0">
+                <a:hlinkClick r:id="rId9"/>
+              </a:rPr>
+              <a:t>Classes</a:t>
+            </a:r>
+            <a:endParaRPr lang="en-US" dirty="0"/>
+          </a:p>
+          <a:p>
+            <a:r>
+              <a:rPr lang="en-US" dirty="0">
+                <a:hlinkClick r:id="rId10"/>
+              </a:rPr>
+              <a:t>Promises</a:t>
+            </a:r>
+            <a:endParaRPr lang="en-US" dirty="0"/>
+          </a:p>
+          <a:p>
+            <a:r>
+              <a:rPr lang="en-US" dirty="0">
+                <a:hlinkClick r:id="rId11"/>
+              </a:rPr>
+              <a:t>Symbol</a:t>
+            </a:r>
+            <a:endParaRPr lang="en-US" dirty="0"/>
+          </a:p>
+          <a:p>
+            <a:r>
+              <a:rPr lang="en-US" dirty="0">
+                <a:hlinkClick r:id="rId12"/>
+              </a:rPr>
+              <a:t>Default Parameters</a:t>
+            </a:r>
+            <a:endParaRPr lang="en-US" dirty="0"/>
+          </a:p>
+          <a:p>
+            <a:r>
+              <a:rPr lang="en-US" dirty="0">
+                <a:hlinkClick r:id="rId13"/>
+              </a:rPr>
+              <a:t>Function Rest Parameter</a:t>
+            </a:r>
+            <a:endParaRPr lang="en-US" dirty="0"/>
+          </a:p>
+          <a:p>
+            <a:endParaRPr lang="en-US" dirty="0"/>
+          </a:p>
+        </p:txBody>
+      </p:sp>
+      <p:sp>
+        <p:nvSpPr>
+          <p:cNvPr id="4" name="Content Placeholder 3"/>
+          <p:cNvSpPr>
+            <a:spLocks noGrp="1"/>
+          </p:cNvSpPr>
+          <p:nvPr>
+            <p:ph sz="half" idx="2"/>
+          </p:nvPr>
+        </p:nvSpPr>
+        <p:spPr/>
+        <p:txBody>
+          <a:bodyPr>
+            <a:normAutofit fontScale="62500" lnSpcReduction="20000"/>
+          </a:bodyPr>
+          <a:lstStyle/>
+          <a:p>
+            <a:r>
+              <a:rPr lang="en-US" dirty="0" err="1">
+                <a:hlinkClick r:id="rId14"/>
+              </a:rPr>
+              <a:t>String.includes</a:t>
+            </a:r>
+            <a:r>
+              <a:rPr lang="en-US" dirty="0">
+                <a:hlinkClick r:id="rId14"/>
+              </a:rPr>
+              <a:t>()</a:t>
+            </a:r>
+            <a:endParaRPr lang="en-US" dirty="0"/>
+          </a:p>
+          <a:p>
+            <a:r>
+              <a:rPr lang="en-US" dirty="0" err="1">
+                <a:hlinkClick r:id="rId15"/>
+              </a:rPr>
+              <a:t>String.startsWith</a:t>
+            </a:r>
+            <a:r>
+              <a:rPr lang="en-US" dirty="0">
+                <a:hlinkClick r:id="rId15"/>
+              </a:rPr>
+              <a:t>()</a:t>
+            </a:r>
+            <a:endParaRPr lang="en-US" dirty="0"/>
+          </a:p>
+          <a:p>
+            <a:r>
+              <a:rPr lang="en-US" dirty="0" err="1">
+                <a:hlinkClick r:id="rId16"/>
+              </a:rPr>
+              <a:t>String.endsWith</a:t>
+            </a:r>
+            <a:r>
+              <a:rPr lang="en-US" dirty="0">
+                <a:hlinkClick r:id="rId16"/>
+              </a:rPr>
+              <a:t>()</a:t>
+            </a:r>
+            <a:endParaRPr lang="en-US" dirty="0"/>
+          </a:p>
+          <a:p>
+            <a:r>
+              <a:rPr lang="en-US" dirty="0" err="1">
+                <a:hlinkClick r:id="rId17"/>
+              </a:rPr>
+              <a:t>Array.from</a:t>
+            </a:r>
+            <a:r>
+              <a:rPr lang="en-US" dirty="0">
+                <a:hlinkClick r:id="rId17"/>
+              </a:rPr>
+              <a:t>()</a:t>
+            </a:r>
+            <a:endParaRPr lang="en-US" dirty="0"/>
+          </a:p>
+          <a:p>
+            <a:r>
+              <a:rPr lang="en-US" dirty="0">
+                <a:hlinkClick r:id="rId18"/>
+              </a:rPr>
+              <a:t>Array keys()</a:t>
+            </a:r>
+            <a:endParaRPr lang="en-US" dirty="0"/>
+          </a:p>
+          <a:p>
+            <a:r>
+              <a:rPr lang="en-US" dirty="0">
+                <a:hlinkClick r:id="rId19"/>
+              </a:rPr>
+              <a:t>Array find()</a:t>
+            </a:r>
+            <a:endParaRPr lang="en-US" dirty="0"/>
+          </a:p>
+          <a:p>
+            <a:r>
+              <a:rPr lang="en-US" dirty="0">
+                <a:hlinkClick r:id="rId20"/>
+              </a:rPr>
+              <a:t>Array </a:t>
+            </a:r>
+            <a:r>
+              <a:rPr lang="en-US" dirty="0" err="1">
+                <a:hlinkClick r:id="rId20"/>
+              </a:rPr>
+              <a:t>findIndex</a:t>
+            </a:r>
+            <a:r>
+              <a:rPr lang="en-US" dirty="0">
+                <a:hlinkClick r:id="rId20"/>
+              </a:rPr>
+              <a:t>()</a:t>
+            </a:r>
+            <a:endParaRPr lang="en-US" dirty="0"/>
+          </a:p>
+          <a:p>
+            <a:r>
+              <a:rPr lang="en-US" dirty="0">
+                <a:hlinkClick r:id="rId21"/>
+              </a:rPr>
+              <a:t>New Math Methods</a:t>
+            </a:r>
+            <a:endParaRPr lang="en-US" dirty="0"/>
+          </a:p>
+          <a:p>
+            <a:r>
+              <a:rPr lang="en-US" dirty="0">
+                <a:hlinkClick r:id="rId22"/>
+              </a:rPr>
+              <a:t>New Number Properties</a:t>
+            </a:r>
+            <a:endParaRPr lang="en-US" dirty="0"/>
+          </a:p>
+          <a:p>
+            <a:r>
+              <a:rPr lang="en-US" dirty="0">
+                <a:hlinkClick r:id="rId23"/>
+              </a:rPr>
+              <a:t>New Number Methods</a:t>
+            </a:r>
+            <a:endParaRPr lang="en-US" dirty="0"/>
+          </a:p>
+          <a:p>
+            <a:r>
+              <a:rPr lang="en-US" dirty="0">
+                <a:hlinkClick r:id="rId24"/>
+              </a:rPr>
+              <a:t>New Global Methods</a:t>
+            </a:r>
+            <a:endParaRPr lang="en-US" dirty="0"/>
+          </a:p>
+          <a:p>
+            <a:r>
+              <a:rPr lang="en-US" dirty="0">
+                <a:hlinkClick r:id="rId25"/>
+              </a:rPr>
+              <a:t>Object entries</a:t>
+            </a:r>
+            <a:endParaRPr lang="en-US" dirty="0"/>
+          </a:p>
+          <a:p>
+            <a:r>
+              <a:rPr lang="en-US" dirty="0">
+                <a:hlinkClick r:id="rId26"/>
+              </a:rPr>
+              <a:t>JavaScript Modules</a:t>
+            </a:r>
+            <a:endParaRPr lang="en-US" dirty="0"/>
           </a:p>
           <a:p>
             <a:endParaRPr lang="en-US" dirty="0"/>
@@ -3427,7 +3872,7 @@
     </p:spTree>
     <p:extLst>
       <p:ext uri="{BB962C8B-B14F-4D97-AF65-F5344CB8AC3E}">
-        <p14:creationId xmlns:p14="http://schemas.microsoft.com/office/powerpoint/2010/main" val="4009243281"/>
+        <p14:creationId xmlns:p14="http://schemas.microsoft.com/office/powerpoint/2010/main" val="3471888596"/>
       </p:ext>
     </p:extLst>
   </p:cSld>
@@ -3477,9 +3922,10 @@
           <a:lstStyle/>
           <a:p>
             <a:r>
-              <a:rPr lang="en-US" dirty="0"/>
-              <a:t>Security</a:t>
-            </a:r>
+              <a:rPr lang="en-US" dirty="0" smtClean="0"/>
+              <a:t>Es7 - 2016</a:t>
+            </a:r>
+            <a:endParaRPr lang="en-US" dirty="0"/>
           </a:p>
         </p:txBody>
       </p:sp>
@@ -3490,40 +3936,59 @@
             <a:spLocks noGrp="1"/>
           </p:cNvSpPr>
           <p:nvPr>
-            <p:ph idx="1"/>
-          </p:nvPr>
-        </p:nvSpPr>
-        <p:spPr/>
-        <p:txBody>
-          <a:bodyPr/>
-          <a:lstStyle/>
-          <a:p>
-            <a:r>
-              <a:rPr lang="en-US" dirty="0"/>
-              <a:t>Cross-site scripting (XSS) prevention, </a:t>
-            </a:r>
-          </a:p>
-          <a:p>
-            <a:r>
-              <a:rPr lang="en-US" dirty="0"/>
-              <a:t>Cross-site request forgery (CSRF) prevention, </a:t>
-            </a:r>
-          </a:p>
-          <a:p>
-            <a:r>
-              <a:rPr lang="en-US" dirty="0"/>
-              <a:t>Content Security Policy (CSP).</a:t>
-            </a:r>
-          </a:p>
-          <a:p>
-            <a:endParaRPr lang="en-US" dirty="0"/>
+            <p:ph sz="half" idx="1"/>
+          </p:nvPr>
+        </p:nvSpPr>
+        <p:spPr/>
+        <p:txBody>
+          <a:bodyPr/>
+          <a:lstStyle/>
+          <a:p>
+            <a:r>
+              <a:rPr lang="en-US" dirty="0"/>
+              <a:t>JavaScript Exponentiation (**)</a:t>
+            </a:r>
+          </a:p>
+          <a:p>
+            <a:r>
+              <a:rPr lang="en-US" dirty="0"/>
+              <a:t>JavaScript Exponentiation assignment (**=)</a:t>
+            </a:r>
+          </a:p>
+          <a:p>
+            <a:r>
+              <a:rPr lang="en-US" dirty="0"/>
+              <a:t>JavaScript Array includes()</a:t>
+            </a:r>
+          </a:p>
+          <a:p>
+            <a:endParaRPr lang="en-US" dirty="0"/>
+          </a:p>
+        </p:txBody>
+      </p:sp>
+      <p:sp>
+        <p:nvSpPr>
+          <p:cNvPr id="4" name="Content Placeholder 3"/>
+          <p:cNvSpPr>
+            <a:spLocks noGrp="1"/>
+          </p:cNvSpPr>
+          <p:nvPr>
+            <p:ph sz="half" idx="2"/>
+          </p:nvPr>
+        </p:nvSpPr>
+        <p:spPr/>
+        <p:txBody>
+          <a:bodyPr/>
+          <a:lstStyle/>
+          <a:p>
+            <a:endParaRPr lang="en-US"/>
           </a:p>
         </p:txBody>
       </p:sp>
     </p:spTree>
     <p:extLst>
       <p:ext uri="{BB962C8B-B14F-4D97-AF65-F5344CB8AC3E}">
-        <p14:creationId xmlns:p14="http://schemas.microsoft.com/office/powerpoint/2010/main" val="3426146137"/>
+        <p14:creationId xmlns:p14="http://schemas.microsoft.com/office/powerpoint/2010/main" val="4120860912"/>
       </p:ext>
     </p:extLst>
   </p:cSld>
@@ -3573,9 +4038,10 @@
           <a:lstStyle/>
           <a:p>
             <a:r>
-              <a:rPr lang="en-US" dirty="0"/>
-              <a:t>Frameworks and Libraries</a:t>
-            </a:r>
+              <a:rPr lang="en-US" dirty="0" smtClean="0"/>
+              <a:t>Es8-2017</a:t>
+            </a:r>
+            <a:endParaRPr lang="en-US" dirty="0"/>
           </a:p>
         </p:txBody>
       </p:sp>
@@ -3586,68 +4052,109 @@
             <a:spLocks noGrp="1"/>
           </p:cNvSpPr>
           <p:nvPr>
-            <p:ph idx="1"/>
-          </p:nvPr>
-        </p:nvSpPr>
-        <p:spPr/>
-        <p:txBody>
-          <a:bodyPr/>
-          <a:lstStyle/>
-          <a:p>
-            <a:r>
-              <a:rPr lang="en-US" dirty="0"/>
-              <a:t>React.js,</a:t>
-            </a:r>
-          </a:p>
-          <a:p>
-            <a:r>
-              <a:rPr lang="en-US" dirty="0"/>
-              <a:t> Vue.js,</a:t>
-            </a:r>
-          </a:p>
-          <a:p>
-            <a:r>
-              <a:rPr lang="en-US" dirty="0"/>
-              <a:t> Angular, </a:t>
-            </a:r>
-          </a:p>
-          <a:p>
-            <a:r>
-              <a:rPr lang="en-US" dirty="0"/>
-              <a:t>Express.js (for server-side JavaScript), </a:t>
-            </a:r>
-          </a:p>
-          <a:p>
-            <a:r>
-              <a:rPr lang="en-US" dirty="0"/>
-              <a:t>Node.js,</a:t>
-            </a:r>
-          </a:p>
-          <a:p>
+            <p:ph sz="half" idx="1"/>
+          </p:nvPr>
+        </p:nvSpPr>
+        <p:spPr/>
+        <p:txBody>
+          <a:bodyPr/>
+          <a:lstStyle/>
+          <a:p>
+            <a:r>
+              <a:rPr lang="en-US" dirty="0">
+                <a:hlinkClick r:id="rId2"/>
+              </a:rPr>
+              <a:t>JavaScript String padding</a:t>
+            </a:r>
+            <a:endParaRPr lang="en-US" dirty="0"/>
+          </a:p>
+          <a:p>
+            <a:r>
+              <a:rPr lang="en-US" dirty="0">
+                <a:hlinkClick r:id="rId3"/>
+              </a:rPr>
+              <a:t>JavaScript Object entries()</a:t>
+            </a:r>
+            <a:endParaRPr lang="en-US" dirty="0"/>
+          </a:p>
+          <a:p>
+            <a:r>
+              <a:rPr lang="en-US" dirty="0">
+                <a:hlinkClick r:id="rId4"/>
+              </a:rPr>
+              <a:t>JavaScript Object values()</a:t>
+            </a:r>
+            <a:endParaRPr lang="en-US" dirty="0"/>
+          </a:p>
+          <a:p>
+            <a:r>
+              <a:rPr lang="en-US" dirty="0">
+                <a:hlinkClick r:id="rId5"/>
+              </a:rPr>
+              <a:t>JavaScript </a:t>
+            </a:r>
+            <a:r>
+              <a:rPr lang="en-US" dirty="0" err="1">
+                <a:hlinkClick r:id="rId5"/>
+              </a:rPr>
+              <a:t>async</a:t>
+            </a:r>
+            <a:r>
+              <a:rPr lang="en-US" dirty="0">
+                <a:hlinkClick r:id="rId5"/>
+              </a:rPr>
+              <a:t> and await</a:t>
+            </a:r>
+            <a:endParaRPr lang="en-US" dirty="0"/>
+          </a:p>
+          <a:p>
+            <a:r>
+              <a:rPr lang="en-US" dirty="0">
+                <a:hlinkClick r:id="rId6"/>
+              </a:rPr>
+              <a:t>Trailing Commas in Functions</a:t>
+            </a:r>
+            <a:endParaRPr lang="en-US" dirty="0"/>
+          </a:p>
+          <a:p>
+            <a:r>
+              <a:rPr lang="en-US" dirty="0"/>
+              <a:t>JavaScript </a:t>
+            </a:r>
             <a:r>
               <a:rPr lang="en-US" dirty="0" err="1"/>
-              <a:t>NextJS</a:t>
-            </a:r>
-            <a:r>
-              <a:rPr lang="en-US" dirty="0"/>
-              <a:t>,</a:t>
-            </a:r>
-          </a:p>
-          <a:p>
-            <a:r>
-              <a:rPr lang="en-US" dirty="0"/>
-              <a:t>Svelte</a:t>
-            </a:r>
-          </a:p>
-          <a:p>
-            <a:endParaRPr lang="en-US" dirty="0"/>
+              <a:t>Object.getOwnPropertyDescriptors</a:t>
+            </a:r>
+            <a:endParaRPr lang="en-US" dirty="0"/>
+          </a:p>
+          <a:p>
+            <a:endParaRPr lang="en-US" dirty="0"/>
+          </a:p>
+        </p:txBody>
+      </p:sp>
+      <p:sp>
+        <p:nvSpPr>
+          <p:cNvPr id="4" name="Content Placeholder 3"/>
+          <p:cNvSpPr>
+            <a:spLocks noGrp="1"/>
+          </p:cNvSpPr>
+          <p:nvPr>
+            <p:ph sz="half" idx="2"/>
+          </p:nvPr>
+        </p:nvSpPr>
+        <p:spPr/>
+        <p:txBody>
+          <a:bodyPr/>
+          <a:lstStyle/>
+          <a:p>
+            <a:endParaRPr lang="en-US"/>
           </a:p>
         </p:txBody>
       </p:sp>
     </p:spTree>
     <p:extLst>
       <p:ext uri="{BB962C8B-B14F-4D97-AF65-F5344CB8AC3E}">
-        <p14:creationId xmlns:p14="http://schemas.microsoft.com/office/powerpoint/2010/main" val="4085728344"/>
+        <p14:creationId xmlns:p14="http://schemas.microsoft.com/office/powerpoint/2010/main" val="1349632365"/>
       </p:ext>
     </p:extLst>
   </p:cSld>
@@ -3697,9 +4204,10 @@
           <a:lstStyle/>
           <a:p>
             <a:r>
-              <a:rPr lang="en-US" dirty="0"/>
-              <a:t>Package Managers</a:t>
-            </a:r>
+              <a:rPr lang="en-US" dirty="0" smtClean="0"/>
+              <a:t>Es9-2018</a:t>
+            </a:r>
+            <a:endParaRPr lang="en-US" dirty="0"/>
           </a:p>
         </p:txBody>
       </p:sp>
@@ -3710,38 +4218,98 @@
             <a:spLocks noGrp="1"/>
           </p:cNvSpPr>
           <p:nvPr>
-            <p:ph idx="1"/>
-          </p:nvPr>
-        </p:nvSpPr>
-        <p:spPr/>
-        <p:txBody>
-          <a:bodyPr/>
-          <a:lstStyle/>
-          <a:p>
-            <a:r>
-              <a:rPr lang="en-US" dirty="0" err="1"/>
-              <a:t>npm</a:t>
-            </a:r>
-            <a:r>
-              <a:rPr lang="en-US" dirty="0"/>
-              <a:t>, </a:t>
-            </a:r>
-          </a:p>
-          <a:p>
-            <a:r>
-              <a:rPr lang="en-US" dirty="0"/>
-              <a:t>Yarn.</a:t>
-            </a:r>
-          </a:p>
-          <a:p>
-            <a:endParaRPr lang="en-US" dirty="0"/>
+            <p:ph sz="half" idx="1"/>
+          </p:nvPr>
+        </p:nvSpPr>
+        <p:spPr/>
+        <p:txBody>
+          <a:bodyPr/>
+          <a:lstStyle/>
+          <a:p>
+            <a:r>
+              <a:rPr lang="en-US" dirty="0">
+                <a:hlinkClick r:id="rId2"/>
+              </a:rPr>
+              <a:t>Asynchronous Iteration</a:t>
+            </a:r>
+            <a:endParaRPr lang="en-US" dirty="0"/>
+          </a:p>
+          <a:p>
+            <a:r>
+              <a:rPr lang="en-US" dirty="0">
+                <a:hlinkClick r:id="rId3"/>
+              </a:rPr>
+              <a:t>Promise Finally</a:t>
+            </a:r>
+            <a:endParaRPr lang="en-US" dirty="0"/>
+          </a:p>
+          <a:p>
+            <a:r>
+              <a:rPr lang="en-US" dirty="0">
+                <a:hlinkClick r:id="rId4"/>
+              </a:rPr>
+              <a:t>Object Rest Properties</a:t>
+            </a:r>
+            <a:endParaRPr lang="en-US" dirty="0"/>
+          </a:p>
+          <a:p>
+            <a:r>
+              <a:rPr lang="en-US" dirty="0">
+                <a:hlinkClick r:id="rId5"/>
+              </a:rPr>
+              <a:t>New </a:t>
+            </a:r>
+            <a:r>
+              <a:rPr lang="en-US" dirty="0" err="1">
+                <a:hlinkClick r:id="rId5"/>
+              </a:rPr>
+              <a:t>RegExp</a:t>
+            </a:r>
+            <a:r>
+              <a:rPr lang="en-US" dirty="0">
+                <a:hlinkClick r:id="rId5"/>
+              </a:rPr>
+              <a:t> Features</a:t>
+            </a:r>
+            <a:endParaRPr lang="en-US" dirty="0"/>
+          </a:p>
+          <a:p>
+            <a:r>
+              <a:rPr lang="en-US" dirty="0">
+                <a:hlinkClick r:id="rId5"/>
+              </a:rPr>
+              <a:t>JavaScript Shared Memory</a:t>
+            </a:r>
+            <a:endParaRPr lang="en-US" dirty="0"/>
+          </a:p>
+          <a:p>
+            <a:endParaRPr lang="en-US" dirty="0"/>
+          </a:p>
+        </p:txBody>
+      </p:sp>
+      <p:sp>
+        <p:nvSpPr>
+          <p:cNvPr id="4" name="Content Placeholder 3"/>
+          <p:cNvSpPr>
+            <a:spLocks noGrp="1"/>
+          </p:cNvSpPr>
+          <p:nvPr>
+            <p:ph sz="half" idx="2"/>
+          </p:nvPr>
+        </p:nvSpPr>
+        <p:spPr/>
+        <p:txBody>
+          <a:bodyPr/>
+          <a:lstStyle/>
+          <a:p>
+            <a:endParaRPr lang="en-US"/>
           </a:p>
         </p:txBody>
       </p:sp>
     </p:spTree>
     <p:extLst>
       <p:ext uri="{BB962C8B-B14F-4D97-AF65-F5344CB8AC3E}">
-        <p14:creationId xmlns:p14="http://schemas.microsoft.com/office/powerpoint/2010/main" val="910642442"/>
+        <p14:creationId xmlns:p14="http://schemas.microsoft.com/office/powerpoint/2010/main" val="1510336930"/>
       </p:ext>
     </p:extLst>
   </p:cSld>
@@ -3791,9 +4359,10 @@
           <a:lstStyle/>
           <a:p>
             <a:r>
-              <a:rPr lang="en-US" dirty="0"/>
-              <a:t>Build Tools</a:t>
-            </a:r>
+              <a:rPr lang="en-US" dirty="0" smtClean="0"/>
+              <a:t>Es10-2019</a:t>
+            </a:r>
+            <a:endParaRPr lang="en-US" dirty="0"/>
           </a:p>
         </p:txBody>
       </p:sp>
@@ -3804,48 +4373,201 @@
             <a:spLocks noGrp="1"/>
           </p:cNvSpPr>
           <p:nvPr>
-            <p:ph idx="1"/>
-          </p:nvPr>
-        </p:nvSpPr>
-        <p:spPr/>
-        <p:txBody>
-          <a:bodyPr/>
-          <a:lstStyle/>
-          <a:p>
-            <a:r>
-              <a:rPr lang="en-US" dirty="0" err="1"/>
-              <a:t>Webpack</a:t>
-            </a:r>
-            <a:r>
-              <a:rPr lang="en-US" dirty="0"/>
-              <a:t>, </a:t>
-            </a:r>
-          </a:p>
-          <a:p>
-            <a:r>
-              <a:rPr lang="en-US" dirty="0"/>
-              <a:t>Babel, </a:t>
-            </a:r>
-          </a:p>
-          <a:p>
-            <a:r>
-              <a:rPr lang="en-US" dirty="0" err="1"/>
-              <a:t>ESLint</a:t>
-            </a:r>
-            <a:r>
-              <a:rPr lang="en-US" dirty="0"/>
-              <a:t>.</a:t>
-            </a:r>
-          </a:p>
-          <a:p>
-            <a:endParaRPr lang="en-US" dirty="0"/>
+            <p:ph sz="half" idx="1"/>
+          </p:nvPr>
+        </p:nvSpPr>
+        <p:spPr/>
+        <p:txBody>
+          <a:bodyPr>
+            <a:normAutofit fontScale="92500" lnSpcReduction="20000"/>
+          </a:bodyPr>
+          <a:lstStyle/>
+          <a:p>
+            <a:r>
+              <a:rPr lang="en-US" dirty="0" err="1">
+                <a:hlinkClick r:id="rId2"/>
+              </a:rPr>
+              <a:t>String.trimStart</a:t>
+            </a:r>
+            <a:r>
+              <a:rPr lang="en-US" dirty="0">
+                <a:hlinkClick r:id="rId2"/>
+              </a:rPr>
+              <a:t>()</a:t>
+            </a:r>
+            <a:endParaRPr lang="en-US" dirty="0"/>
+          </a:p>
+          <a:p>
+            <a:r>
+              <a:rPr lang="en-US" dirty="0" err="1">
+                <a:hlinkClick r:id="rId3"/>
+              </a:rPr>
+              <a:t>String.trimEnd</a:t>
+            </a:r>
+            <a:r>
+              <a:rPr lang="en-US" dirty="0">
+                <a:hlinkClick r:id="rId3"/>
+              </a:rPr>
+              <a:t>()</a:t>
+            </a:r>
+            <a:endParaRPr lang="en-US" dirty="0"/>
+          </a:p>
+          <a:p>
+            <a:r>
+              <a:rPr lang="en-US" dirty="0" err="1">
+                <a:hlinkClick r:id="rId4"/>
+              </a:rPr>
+              <a:t>Object.fromEntries</a:t>
+            </a:r>
+            <a:endParaRPr lang="en-US" dirty="0"/>
+          </a:p>
+          <a:p>
+            <a:r>
+              <a:rPr lang="en-US" dirty="0">
+                <a:hlinkClick r:id="rId5"/>
+              </a:rPr>
+              <a:t>Optional catch binding</a:t>
+            </a:r>
+            <a:endParaRPr lang="en-US" dirty="0"/>
+          </a:p>
+          <a:p>
+            <a:r>
+              <a:rPr lang="en-US" dirty="0" err="1">
+                <a:hlinkClick r:id="rId6"/>
+              </a:rPr>
+              <a:t>Array.flat</a:t>
+            </a:r>
+            <a:r>
+              <a:rPr lang="en-US" dirty="0">
+                <a:hlinkClick r:id="rId6"/>
+              </a:rPr>
+              <a:t>()</a:t>
+            </a:r>
+            <a:endParaRPr lang="en-US" dirty="0"/>
+          </a:p>
+          <a:p>
+            <a:r>
+              <a:rPr lang="en-US" dirty="0" err="1">
+                <a:hlinkClick r:id="rId7"/>
+              </a:rPr>
+              <a:t>Array.flatMap</a:t>
+            </a:r>
+            <a:r>
+              <a:rPr lang="en-US" dirty="0">
+                <a:hlinkClick r:id="rId7"/>
+              </a:rPr>
+              <a:t>()</a:t>
+            </a:r>
+            <a:endParaRPr lang="en-US" dirty="0"/>
+          </a:p>
+          <a:p>
+            <a:r>
+              <a:rPr lang="en-US" dirty="0">
+                <a:hlinkClick r:id="rId8"/>
+              </a:rPr>
+              <a:t>Revised </a:t>
+            </a:r>
+            <a:r>
+              <a:rPr lang="en-US" dirty="0" err="1">
+                <a:hlinkClick r:id="rId8"/>
+              </a:rPr>
+              <a:t>Array.Sort</a:t>
+            </a:r>
+            <a:r>
+              <a:rPr lang="en-US" dirty="0">
+                <a:hlinkClick r:id="rId8"/>
+              </a:rPr>
+              <a:t>()</a:t>
+            </a:r>
+            <a:endParaRPr lang="en-US" dirty="0"/>
+          </a:p>
+          <a:p>
+            <a:r>
+              <a:rPr lang="en-US" dirty="0">
+                <a:hlinkClick r:id="rId9"/>
+              </a:rPr>
+              <a:t>Revised </a:t>
+            </a:r>
+            <a:r>
+              <a:rPr lang="en-US" dirty="0" err="1">
+                <a:hlinkClick r:id="rId9"/>
+              </a:rPr>
+              <a:t>JSON.stringify</a:t>
+            </a:r>
+            <a:r>
+              <a:rPr lang="en-US" dirty="0">
+                <a:hlinkClick r:id="rId9"/>
+              </a:rPr>
+              <a:t>()</a:t>
+            </a:r>
+            <a:endParaRPr lang="en-US" dirty="0"/>
+          </a:p>
+          <a:p>
+            <a:r>
+              <a:rPr lang="en-US" dirty="0">
+                <a:hlinkClick r:id="rId10"/>
+              </a:rPr>
+              <a:t>Separator symbols allowed in string </a:t>
+            </a:r>
+            <a:r>
+              <a:rPr lang="en-US" dirty="0" err="1">
+                <a:hlinkClick r:id="rId10"/>
+              </a:rPr>
+              <a:t>litterals</a:t>
+            </a:r>
+            <a:endParaRPr lang="en-US" dirty="0"/>
+          </a:p>
+          <a:p>
+            <a:r>
+              <a:rPr lang="en-US" dirty="0">
+                <a:hlinkClick r:id="rId11"/>
+              </a:rPr>
+              <a:t>Revised </a:t>
+            </a:r>
+            <a:r>
+              <a:rPr lang="en-US" dirty="0" err="1">
+                <a:hlinkClick r:id="rId11"/>
+              </a:rPr>
+              <a:t>Function.toString</a:t>
+            </a:r>
+            <a:r>
+              <a:rPr lang="en-US" dirty="0">
+                <a:hlinkClick r:id="rId11"/>
+              </a:rPr>
+              <a:t>()</a:t>
+            </a:r>
+            <a:endParaRPr lang="en-US" dirty="0"/>
+          </a:p>
+          <a:p>
+            <a:endParaRPr lang="en-US" dirty="0"/>
+          </a:p>
+        </p:txBody>
+      </p:sp>
+      <p:sp>
+        <p:nvSpPr>
+          <p:cNvPr id="4" name="Content Placeholder 3"/>
+          <p:cNvSpPr>
+            <a:spLocks noGrp="1"/>
+          </p:cNvSpPr>
+          <p:nvPr>
+            <p:ph sz="half" idx="2"/>
+          </p:nvPr>
+        </p:nvSpPr>
+        <p:spPr/>
+        <p:txBody>
+          <a:bodyPr>
+            <a:normAutofit fontScale="92500" lnSpcReduction="20000"/>
+          </a:bodyPr>
+          <a:lstStyle/>
+          <a:p>
+            <a:endParaRPr lang="en-US"/>
           </a:p>
         </p:txBody>
       </p:sp>
     </p:spTree>
     <p:extLst>
       <p:ext uri="{BB962C8B-B14F-4D97-AF65-F5344CB8AC3E}">
-        <p14:creationId xmlns:p14="http://schemas.microsoft.com/office/powerpoint/2010/main" val="1401997466"/>
+        <p14:creationId xmlns:p14="http://schemas.microsoft.com/office/powerpoint/2010/main" val="1089267433"/>
       </p:ext>
     </p:extLst>
   </p:cSld>
@@ -3895,9 +4617,10 @@
           <a:lstStyle/>
           <a:p>
             <a:r>
-              <a:rPr lang="en-US" dirty="0"/>
-              <a:t>Topic</a:t>
-            </a:r>
+              <a:rPr lang="en-US" dirty="0" smtClean="0"/>
+              <a:t>Es11-2020</a:t>
+            </a:r>
+            <a:endParaRPr lang="en-US" dirty="0"/>
           </a:p>
         </p:txBody>
       </p:sp>
@@ -3908,22 +4631,159 @@
             <a:spLocks noGrp="1"/>
           </p:cNvSpPr>
           <p:nvPr>
-            <p:ph idx="1"/>
-          </p:nvPr>
-        </p:nvSpPr>
-        <p:spPr/>
-        <p:txBody>
-          <a:bodyPr/>
-          <a:lstStyle/>
-          <a:p>
-            <a:endParaRPr lang="en-US" dirty="0"/>
+            <p:ph sz="half" idx="1"/>
+          </p:nvPr>
+        </p:nvSpPr>
+        <p:spPr/>
+        <p:txBody>
+          <a:bodyPr>
+            <a:normAutofit fontScale="85000" lnSpcReduction="10000"/>
+          </a:bodyPr>
+          <a:lstStyle/>
+          <a:p>
+            <a:r>
+              <a:rPr lang="en-US" dirty="0" err="1">
+                <a:hlinkClick r:id="rId2"/>
+              </a:rPr>
+              <a:t>BigInt</a:t>
+            </a:r>
+            <a:endParaRPr lang="en-US" dirty="0"/>
+          </a:p>
+          <a:p>
+            <a:r>
+              <a:rPr lang="en-US" dirty="0">
+                <a:hlinkClick r:id="rId3"/>
+              </a:rPr>
+              <a:t>String </a:t>
+            </a:r>
+            <a:r>
+              <a:rPr lang="en-US" dirty="0" err="1">
+                <a:hlinkClick r:id="rId3"/>
+              </a:rPr>
+              <a:t>matchAll</a:t>
+            </a:r>
+            <a:r>
+              <a:rPr lang="en-US" dirty="0">
+                <a:hlinkClick r:id="rId3"/>
+              </a:rPr>
+              <a:t>()</a:t>
+            </a:r>
+            <a:endParaRPr lang="en-US" dirty="0"/>
+          </a:p>
+          <a:p>
+            <a:r>
+              <a:rPr lang="en-US" dirty="0">
+                <a:hlinkClick r:id="rId4"/>
+              </a:rPr>
+              <a:t>The </a:t>
+            </a:r>
+            <a:r>
+              <a:rPr lang="en-US" dirty="0" err="1">
+                <a:hlinkClick r:id="rId4"/>
+              </a:rPr>
+              <a:t>Nullish</a:t>
+            </a:r>
+            <a:r>
+              <a:rPr lang="en-US" dirty="0">
+                <a:hlinkClick r:id="rId4"/>
+              </a:rPr>
+              <a:t> Coalescing Operator (??)</a:t>
+            </a:r>
+            <a:endParaRPr lang="en-US" dirty="0"/>
+          </a:p>
+          <a:p>
+            <a:r>
+              <a:rPr lang="en-US" dirty="0">
+                <a:hlinkClick r:id="rId5"/>
+              </a:rPr>
+              <a:t>The Optional Chaining Operator (?.)</a:t>
+            </a:r>
+            <a:endParaRPr lang="en-US" dirty="0"/>
+          </a:p>
+          <a:p>
+            <a:r>
+              <a:rPr lang="en-US" dirty="0">
+                <a:hlinkClick r:id="rId6"/>
+              </a:rPr>
+              <a:t>Logical AND Assignment Operator (&amp;&amp;=)</a:t>
+            </a:r>
+            <a:endParaRPr lang="en-US" dirty="0"/>
+          </a:p>
+          <a:p>
+            <a:r>
+              <a:rPr lang="en-US" dirty="0">
+                <a:hlinkClick r:id="rId7"/>
+              </a:rPr>
+              <a:t>Logical OR Assignment (||=)</a:t>
+            </a:r>
+            <a:endParaRPr lang="en-US" dirty="0"/>
+          </a:p>
+          <a:p>
+            <a:r>
+              <a:rPr lang="en-US" dirty="0" err="1">
+                <a:hlinkClick r:id="rId8"/>
+              </a:rPr>
+              <a:t>Nullish</a:t>
+            </a:r>
+            <a:r>
+              <a:rPr lang="en-US" dirty="0">
+                <a:hlinkClick r:id="rId8"/>
+              </a:rPr>
+              <a:t> Coalescing Assignment (??=)</a:t>
+            </a:r>
+            <a:endParaRPr lang="en-US" dirty="0"/>
+          </a:p>
+          <a:p>
+            <a:r>
+              <a:rPr lang="en-US" dirty="0" err="1">
+                <a:hlinkClick r:id="rId9"/>
+              </a:rPr>
+              <a:t>Promise.allSettled</a:t>
+            </a:r>
+            <a:r>
+              <a:rPr lang="en-US" dirty="0">
+                <a:hlinkClick r:id="rId9"/>
+              </a:rPr>
+              <a:t>()</a:t>
+            </a:r>
+            <a:endParaRPr lang="en-US" dirty="0"/>
+          </a:p>
+          <a:p>
+            <a:r>
+              <a:rPr lang="en-US" dirty="0"/>
+              <a:t>Dynamic Import</a:t>
+            </a:r>
+          </a:p>
+          <a:p>
+            <a:endParaRPr lang="en-US" dirty="0"/>
+          </a:p>
+        </p:txBody>
+      </p:sp>
+      <p:sp>
+        <p:nvSpPr>
+          <p:cNvPr id="4" name="Content Placeholder 3"/>
+          <p:cNvSpPr>
+            <a:spLocks noGrp="1"/>
+          </p:cNvSpPr>
+          <p:nvPr>
+            <p:ph sz="half" idx="2"/>
+          </p:nvPr>
+        </p:nvSpPr>
+        <p:spPr/>
+        <p:txBody>
+          <a:bodyPr>
+            <a:normAutofit fontScale="85000" lnSpcReduction="10000"/>
+          </a:bodyPr>
+          <a:lstStyle/>
+          <a:p>
+            <a:endParaRPr lang="en-US"/>
           </a:p>
         </p:txBody>
       </p:sp>
     </p:spTree>
     <p:extLst>
       <p:ext uri="{BB962C8B-B14F-4D97-AF65-F5344CB8AC3E}">
-        <p14:creationId xmlns:p14="http://schemas.microsoft.com/office/powerpoint/2010/main" val="1806034106"/>
+        <p14:creationId xmlns:p14="http://schemas.microsoft.com/office/powerpoint/2010/main" val="948818459"/>
       </p:ext>
     </p:extLst>
   </p:cSld>
@@ -3964,42 +4824,94 @@
             <a:spLocks noGrp="1"/>
           </p:cNvSpPr>
           <p:nvPr>
-            <p:ph type="ctrTitle"/>
-          </p:nvPr>
-        </p:nvSpPr>
-        <p:spPr/>
-        <p:txBody>
-          <a:bodyPr/>
-          <a:lstStyle/>
-          <a:p>
-            <a:r>
-              <a:rPr lang="en-US" smtClean="0">
-                <a:sym typeface="Wingdings" panose="05000000000000000000" pitchFamily="2" charset="2"/>
-              </a:rPr>
-              <a:t> </a:t>
-            </a:r>
-            <a:r>
-              <a:rPr lang="en-US" smtClean="0"/>
-              <a:t>THANK YOU </a:t>
-            </a:r>
-            <a:r>
-              <a:rPr lang="en-US" smtClean="0">
-                <a:sym typeface="Wingdings" panose="05000000000000000000" pitchFamily="2" charset="2"/>
-              </a:rPr>
-              <a:t></a:t>
-            </a:r>
-            <a:endParaRPr lang="en-US" dirty="0"/>
-          </a:p>
-        </p:txBody>
-      </p:sp>
-      <p:sp>
-        <p:nvSpPr>
-          <p:cNvPr id="3" name="Subtitle 2"/>
-          <p:cNvSpPr>
-            <a:spLocks noGrp="1"/>
-          </p:cNvSpPr>
-          <p:nvPr>
-            <p:ph type="subTitle" idx="1"/>
+            <p:ph type="title"/>
+          </p:nvPr>
+        </p:nvSpPr>
+        <p:spPr/>
+        <p:txBody>
+          <a:bodyPr/>
+          <a:lstStyle/>
+          <a:p>
+            <a:r>
+              <a:rPr lang="en-US" dirty="0" smtClean="0"/>
+              <a:t>Es12-2021</a:t>
+            </a:r>
+            <a:endParaRPr lang="en-US" dirty="0"/>
+          </a:p>
+        </p:txBody>
+      </p:sp>
+      <p:sp>
+        <p:nvSpPr>
+          <p:cNvPr id="3" name="Content Placeholder 2"/>
+          <p:cNvSpPr>
+            <a:spLocks noGrp="1"/>
+          </p:cNvSpPr>
+          <p:nvPr>
+            <p:ph sz="half" idx="1"/>
+          </p:nvPr>
+        </p:nvSpPr>
+        <p:spPr/>
+        <p:txBody>
+          <a:bodyPr/>
+          <a:lstStyle/>
+          <a:p>
+            <a:r>
+              <a:rPr lang="en-US" dirty="0" err="1">
+                <a:hlinkClick r:id="rId2"/>
+              </a:rPr>
+              <a:t>Promise.any</a:t>
+            </a:r>
+            <a:r>
+              <a:rPr lang="en-US" dirty="0">
+                <a:hlinkClick r:id="rId2"/>
+              </a:rPr>
+              <a:t>()</a:t>
+            </a:r>
+            <a:endParaRPr lang="en-US" dirty="0"/>
+          </a:p>
+          <a:p>
+            <a:r>
+              <a:rPr lang="en-US" dirty="0">
+                <a:hlinkClick r:id="rId3"/>
+              </a:rPr>
+              <a:t>String </a:t>
+            </a:r>
+            <a:r>
+              <a:rPr lang="en-US" dirty="0" err="1">
+                <a:hlinkClick r:id="rId3"/>
+              </a:rPr>
+              <a:t>replaceAll</a:t>
+            </a:r>
+            <a:r>
+              <a:rPr lang="en-US" dirty="0">
+                <a:hlinkClick r:id="rId3"/>
+              </a:rPr>
+              <a:t>()</a:t>
+            </a:r>
+            <a:endParaRPr lang="en-US" dirty="0"/>
+          </a:p>
+          <a:p>
+            <a:r>
+              <a:rPr lang="en-US" dirty="0">
+                <a:hlinkClick r:id="rId4"/>
+              </a:rPr>
+              <a:t>Numeric Separators (_)</a:t>
+            </a:r>
+            <a:endParaRPr lang="en-US" dirty="0"/>
+          </a:p>
+          <a:p>
+            <a:endParaRPr lang="en-US" dirty="0"/>
+          </a:p>
+        </p:txBody>
+      </p:sp>
+      <p:sp>
+        <p:nvSpPr>
+          <p:cNvPr id="4" name="Content Placeholder 3"/>
+          <p:cNvSpPr>
+            <a:spLocks noGrp="1"/>
+          </p:cNvSpPr>
+          <p:nvPr>
+            <p:ph sz="half" idx="2"/>
           </p:nvPr>
         </p:nvSpPr>
         <p:spPr/>
@@ -4014,7 +4926,7 @@
     </p:spTree>
     <p:extLst>
       <p:ext uri="{BB962C8B-B14F-4D97-AF65-F5344CB8AC3E}">
-        <p14:creationId xmlns:p14="http://schemas.microsoft.com/office/powerpoint/2010/main" val="2867926711"/>
+        <p14:creationId xmlns:p14="http://schemas.microsoft.com/office/powerpoint/2010/main" val="3056168679"/>
       </p:ext>
     </p:extLst>
   </p:cSld>
@@ -4058,15 +4970,33 @@
             <p:ph type="title"/>
           </p:nvPr>
         </p:nvSpPr>
-        <p:spPr/>
-        <p:txBody>
-          <a:bodyPr/>
-          <a:lstStyle/>
-          <a:p>
-            <a:r>
-              <a:rPr lang="en-US" dirty="0"/>
-              <a:t>Variables</a:t>
-            </a:r>
+        <p:spPr>
+          <a:xfrm>
+            <a:off x="838200" y="993058"/>
+            <a:ext cx="10515600" cy="560440"/>
+          </a:xfrm>
+        </p:spPr>
+        <p:txBody>
+          <a:bodyPr>
+            <a:normAutofit fontScale="90000"/>
+          </a:bodyPr>
+          <a:lstStyle/>
+          <a:p>
+            <a:r>
+              <a:rPr lang="en-US" dirty="0" smtClean="0"/>
+              <a:t>JavaScript Statements, Syntax,</a:t>
+            </a:r>
+            <a:br>
+              <a:rPr lang="en-US" dirty="0" smtClean="0"/>
+            </a:br>
+            <a:r>
+              <a:rPr lang="en-US" dirty="0" smtClean="0"/>
+              <a:t/>
+            </a:r>
+            <a:br>
+              <a:rPr lang="en-US" dirty="0" smtClean="0"/>
+            </a:br>
+            <a:endParaRPr lang="en-US" dirty="0"/>
           </a:p>
         </p:txBody>
       </p:sp>
@@ -4082,51 +5012,126 @@
         </p:nvSpPr>
         <p:spPr/>
         <p:txBody>
-          <a:bodyPr/>
-          <a:lstStyle/>
-          <a:p>
-            <a:r>
-              <a:rPr lang="en-US" dirty="0" err="1"/>
-              <a:t>Var</a:t>
-            </a:r>
-            <a:r>
-              <a:rPr lang="en-US" dirty="0"/>
-              <a:t>,</a:t>
-            </a:r>
-          </a:p>
-          <a:p>
-            <a:r>
-              <a:rPr lang="en-US" dirty="0"/>
-              <a:t>Let,</a:t>
-            </a:r>
-          </a:p>
-          <a:p>
-            <a:r>
-              <a:rPr lang="en-US" dirty="0" err="1"/>
-              <a:t>Const</a:t>
-            </a:r>
-            <a:r>
-              <a:rPr lang="en-US" dirty="0"/>
-              <a:t>,</a:t>
-            </a:r>
-          </a:p>
-          <a:p>
-            <a:r>
-              <a:rPr lang="en-US" dirty="0"/>
-              <a:t>Global scope,</a:t>
-            </a:r>
-          </a:p>
-          <a:p>
-            <a:r>
-              <a:rPr lang="en-US" dirty="0"/>
-              <a:t>Local scope,</a:t>
-            </a:r>
-          </a:p>
-          <a:p>
-            <a:r>
-              <a:rPr lang="en-US" dirty="0"/>
-              <a:t>Variable hoisting,</a:t>
-            </a:r>
+          <a:bodyPr>
+            <a:normAutofit fontScale="62500" lnSpcReduction="20000"/>
+          </a:bodyPr>
+          <a:lstStyle/>
+          <a:p>
+            <a:r>
+              <a:rPr lang="en-US" dirty="0">
+                <a:hlinkClick r:id="rId2"/>
+              </a:rPr>
+              <a:t>https://</a:t>
+            </a:r>
+            <a:r>
+              <a:rPr lang="en-US" dirty="0" smtClean="0">
+                <a:hlinkClick r:id="rId2"/>
+              </a:rPr>
+              <a:t>www.w3schools.com/js/js_statements.asp</a:t>
+            </a:r>
+            <a:endParaRPr lang="en-US" dirty="0" smtClean="0"/>
+          </a:p>
+          <a:p>
+            <a:r>
+              <a:rPr lang="en-US" dirty="0" smtClean="0"/>
+              <a:t>Semicolons </a:t>
+            </a:r>
+            <a:r>
+              <a:rPr lang="en-US" dirty="0"/>
+              <a:t>;</a:t>
+            </a:r>
+          </a:p>
+          <a:p>
+            <a:r>
+              <a:rPr lang="en-US" dirty="0"/>
+              <a:t>JavaScript White </a:t>
+            </a:r>
+            <a:r>
+              <a:rPr lang="en-US" dirty="0" smtClean="0"/>
+              <a:t>Space</a:t>
+            </a:r>
+          </a:p>
+          <a:p>
+            <a:r>
+              <a:rPr lang="en-US" dirty="0"/>
+              <a:t>JavaScript Line Length and Line Breaks</a:t>
+            </a:r>
+          </a:p>
+          <a:p>
+            <a:r>
+              <a:rPr lang="en-US" dirty="0"/>
+              <a:t>JavaScript Code Blocks</a:t>
+            </a:r>
+          </a:p>
+          <a:p>
+            <a:r>
+              <a:rPr lang="en-US" dirty="0"/>
+              <a:t>JavaScript </a:t>
+            </a:r>
+            <a:r>
+              <a:rPr lang="en-US" dirty="0" smtClean="0"/>
+              <a:t>Keywords</a:t>
+            </a:r>
+          </a:p>
+          <a:p>
+            <a:r>
+              <a:rPr lang="en-US" dirty="0" smtClean="0"/>
+              <a:t>--------------------------------------------</a:t>
+            </a:r>
+          </a:p>
+          <a:p>
+            <a:r>
+              <a:rPr lang="en-US" dirty="0"/>
+              <a:t>JavaScript Values</a:t>
+            </a:r>
+          </a:p>
+          <a:p>
+            <a:r>
+              <a:rPr lang="en-US" dirty="0"/>
+              <a:t>JavaScript Literals</a:t>
+            </a:r>
+          </a:p>
+          <a:p>
+            <a:r>
+              <a:rPr lang="en-US" dirty="0"/>
+              <a:t>JavaScript Variables</a:t>
+            </a:r>
+          </a:p>
+          <a:p>
+            <a:r>
+              <a:rPr lang="en-US" dirty="0"/>
+              <a:t>JavaScript </a:t>
+            </a:r>
+            <a:r>
+              <a:rPr lang="en-US" dirty="0" smtClean="0"/>
+              <a:t>Operators</a:t>
+            </a:r>
+          </a:p>
+          <a:p>
+            <a:r>
+              <a:rPr lang="en-US" dirty="0"/>
+              <a:t>JavaScript Expressions</a:t>
+            </a:r>
+          </a:p>
+          <a:p>
+            <a:r>
+              <a:rPr lang="en-US" dirty="0"/>
+              <a:t>JavaScript Identifiers / </a:t>
+            </a:r>
+            <a:r>
+              <a:rPr lang="en-US" dirty="0" smtClean="0"/>
+              <a:t>Names (How to name variables)</a:t>
+            </a:r>
+            <a:endParaRPr lang="en-US" dirty="0"/>
+          </a:p>
+          <a:p>
+            <a:endParaRPr lang="en-US" dirty="0"/>
+          </a:p>
+          <a:p>
+            <a:endParaRPr lang="en-US" dirty="0"/>
+          </a:p>
+          <a:p>
+            <a:endParaRPr lang="en-US" dirty="0" smtClean="0"/>
           </a:p>
           <a:p>
             <a:endParaRPr lang="en-US" dirty="0"/>
@@ -4136,7 +5141,1302 @@
     </p:spTree>
     <p:extLst>
       <p:ext uri="{BB962C8B-B14F-4D97-AF65-F5344CB8AC3E}">
-        <p14:creationId xmlns:p14="http://schemas.microsoft.com/office/powerpoint/2010/main" val="4202897750"/>
+        <p14:creationId xmlns:p14="http://schemas.microsoft.com/office/powerpoint/2010/main" val="1675120580"/>
+      </p:ext>
+    </p:extLst>
+  </p:cSld>
+  <p:clrMapOvr>
+    <a:masterClrMapping/>
+  </p:clrMapOvr>
+  <p:timing>
+    <p:tnLst>
+      <p:par>
+        <p:cTn id="1" dur="indefinite" restart="never" nodeType="tmRoot"/>
+      </p:par>
+    </p:tnLst>
+  </p:timing>
+</p:sld>
+</file>
+
+<file path=ppt/slides/slide20.xml><?xml version="1.0" encoding="utf-8"?>
+<p:sld xmlns:a="http://schemas.openxmlformats.org/drawingml/2006/main" xmlns:r="http://schemas.openxmlformats.org/officeDocument/2006/relationships" xmlns:p="http://schemas.openxmlformats.org/presentationml/2006/main">
+  <p:cSld>
+    <p:spTree>
+      <p:nvGrpSpPr>
+        <p:cNvPr id="1" name=""/>
+        <p:cNvGrpSpPr/>
+        <p:nvPr/>
+      </p:nvGrpSpPr>
+      <p:grpSpPr>
+        <a:xfrm>
+          <a:off x="0" y="0"/>
+          <a:ext cx="0" cy="0"/>
+          <a:chOff x="0" y="0"/>
+          <a:chExt cx="0" cy="0"/>
+        </a:xfrm>
+      </p:grpSpPr>
+      <p:sp>
+        <p:nvSpPr>
+          <p:cNvPr id="2" name="Title 1"/>
+          <p:cNvSpPr>
+            <a:spLocks noGrp="1"/>
+          </p:cNvSpPr>
+          <p:nvPr>
+            <p:ph type="title"/>
+          </p:nvPr>
+        </p:nvSpPr>
+        <p:spPr/>
+        <p:txBody>
+          <a:bodyPr/>
+          <a:lstStyle/>
+          <a:p>
+            <a:r>
+              <a:rPr lang="en-US" dirty="0" smtClean="0"/>
+              <a:t>Es13-2022</a:t>
+            </a:r>
+            <a:endParaRPr lang="en-US" dirty="0"/>
+          </a:p>
+        </p:txBody>
+      </p:sp>
+      <p:sp>
+        <p:nvSpPr>
+          <p:cNvPr id="3" name="Content Placeholder 2"/>
+          <p:cNvSpPr>
+            <a:spLocks noGrp="1"/>
+          </p:cNvSpPr>
+          <p:nvPr>
+            <p:ph sz="half" idx="1"/>
+          </p:nvPr>
+        </p:nvSpPr>
+        <p:spPr/>
+        <p:txBody>
+          <a:bodyPr/>
+          <a:lstStyle/>
+          <a:p>
+            <a:r>
+              <a:rPr lang="en-US" dirty="0">
+                <a:hlinkClick r:id="rId2"/>
+              </a:rPr>
+              <a:t>Array at()</a:t>
+            </a:r>
+            <a:endParaRPr lang="en-US" dirty="0"/>
+          </a:p>
+          <a:p>
+            <a:r>
+              <a:rPr lang="en-US" dirty="0">
+                <a:hlinkClick r:id="rId3"/>
+              </a:rPr>
+              <a:t>String at()</a:t>
+            </a:r>
+            <a:endParaRPr lang="en-US" dirty="0"/>
+          </a:p>
+          <a:p>
+            <a:r>
+              <a:rPr lang="en-US" dirty="0" err="1">
+                <a:hlinkClick r:id="rId4"/>
+              </a:rPr>
+              <a:t>RegExp</a:t>
+            </a:r>
+            <a:r>
+              <a:rPr lang="en-US" dirty="0">
+                <a:hlinkClick r:id="rId4"/>
+              </a:rPr>
+              <a:t> /d</a:t>
+            </a:r>
+            <a:endParaRPr lang="en-US" dirty="0"/>
+          </a:p>
+          <a:p>
+            <a:r>
+              <a:rPr lang="en-US" dirty="0" err="1">
+                <a:hlinkClick r:id="rId5"/>
+              </a:rPr>
+              <a:t>Object.hasOwn</a:t>
+            </a:r>
+            <a:r>
+              <a:rPr lang="en-US" dirty="0">
+                <a:hlinkClick r:id="rId5"/>
+              </a:rPr>
+              <a:t>()</a:t>
+            </a:r>
+            <a:endParaRPr lang="en-US" dirty="0"/>
+          </a:p>
+          <a:p>
+            <a:r>
+              <a:rPr lang="en-US" dirty="0" err="1">
+                <a:hlinkClick r:id="rId6"/>
+              </a:rPr>
+              <a:t>error.cause</a:t>
+            </a:r>
+            <a:endParaRPr lang="en-US" dirty="0"/>
+          </a:p>
+          <a:p>
+            <a:r>
+              <a:rPr lang="en-US" dirty="0">
+                <a:hlinkClick r:id="rId7"/>
+              </a:rPr>
+              <a:t>await import</a:t>
+            </a:r>
+            <a:endParaRPr lang="en-US" dirty="0"/>
+          </a:p>
+          <a:p>
+            <a:r>
+              <a:rPr lang="en-US" dirty="0">
+                <a:hlinkClick r:id="rId8"/>
+              </a:rPr>
+              <a:t>Class field declarations</a:t>
+            </a:r>
+            <a:endParaRPr lang="en-US" dirty="0"/>
+          </a:p>
+          <a:p>
+            <a:r>
+              <a:rPr lang="en-US" dirty="0">
+                <a:hlinkClick r:id="rId9"/>
+              </a:rPr>
+              <a:t>Private methods and fields</a:t>
+            </a:r>
+            <a:endParaRPr lang="en-US" dirty="0"/>
+          </a:p>
+          <a:p>
+            <a:endParaRPr lang="en-US" dirty="0"/>
+          </a:p>
+        </p:txBody>
+      </p:sp>
+      <p:sp>
+        <p:nvSpPr>
+          <p:cNvPr id="4" name="Content Placeholder 3"/>
+          <p:cNvSpPr>
+            <a:spLocks noGrp="1"/>
+          </p:cNvSpPr>
+          <p:nvPr>
+            <p:ph sz="half" idx="2"/>
+          </p:nvPr>
+        </p:nvSpPr>
+        <p:spPr/>
+        <p:txBody>
+          <a:bodyPr/>
+          <a:lstStyle/>
+          <a:p>
+            <a:endParaRPr lang="en-US"/>
+          </a:p>
+        </p:txBody>
+      </p:sp>
+    </p:spTree>
+    <p:extLst>
+      <p:ext uri="{BB962C8B-B14F-4D97-AF65-F5344CB8AC3E}">
+        <p14:creationId xmlns:p14="http://schemas.microsoft.com/office/powerpoint/2010/main" val="3647008349"/>
+      </p:ext>
+    </p:extLst>
+  </p:cSld>
+  <p:clrMapOvr>
+    <a:masterClrMapping/>
+  </p:clrMapOvr>
+  <p:timing>
+    <p:tnLst>
+      <p:par>
+        <p:cTn id="1" dur="indefinite" restart="never" nodeType="tmRoot"/>
+      </p:par>
+    </p:tnLst>
+  </p:timing>
+</p:sld>
+</file>
+
+<file path=ppt/slides/slide21.xml><?xml version="1.0" encoding="utf-8"?>
+<p:sld xmlns:a="http://schemas.openxmlformats.org/drawingml/2006/main" xmlns:r="http://schemas.openxmlformats.org/officeDocument/2006/relationships" xmlns:p="http://schemas.openxmlformats.org/presentationml/2006/main">
+  <p:cSld>
+    <p:spTree>
+      <p:nvGrpSpPr>
+        <p:cNvPr id="1" name=""/>
+        <p:cNvGrpSpPr/>
+        <p:nvPr/>
+      </p:nvGrpSpPr>
+      <p:grpSpPr>
+        <a:xfrm>
+          <a:off x="0" y="0"/>
+          <a:ext cx="0" cy="0"/>
+          <a:chOff x="0" y="0"/>
+          <a:chExt cx="0" cy="0"/>
+        </a:xfrm>
+      </p:grpSpPr>
+      <p:sp>
+        <p:nvSpPr>
+          <p:cNvPr id="2" name="Title 1"/>
+          <p:cNvSpPr>
+            <a:spLocks noGrp="1"/>
+          </p:cNvSpPr>
+          <p:nvPr>
+            <p:ph type="title"/>
+          </p:nvPr>
+        </p:nvSpPr>
+        <p:spPr/>
+        <p:txBody>
+          <a:bodyPr/>
+          <a:lstStyle/>
+          <a:p>
+            <a:r>
+              <a:rPr lang="en-US" dirty="0" smtClean="0"/>
+              <a:t>Es14-2023</a:t>
+            </a:r>
+            <a:endParaRPr lang="en-US" dirty="0"/>
+          </a:p>
+        </p:txBody>
+      </p:sp>
+      <p:sp>
+        <p:nvSpPr>
+          <p:cNvPr id="3" name="Content Placeholder 2"/>
+          <p:cNvSpPr>
+            <a:spLocks noGrp="1"/>
+          </p:cNvSpPr>
+          <p:nvPr>
+            <p:ph sz="half" idx="1"/>
+          </p:nvPr>
+        </p:nvSpPr>
+        <p:spPr/>
+        <p:txBody>
+          <a:bodyPr/>
+          <a:lstStyle/>
+          <a:p>
+            <a:r>
+              <a:rPr lang="en-US" dirty="0">
+                <a:hlinkClick r:id="rId2"/>
+              </a:rPr>
+              <a:t>Array </a:t>
+            </a:r>
+            <a:r>
+              <a:rPr lang="en-US" dirty="0" err="1">
+                <a:hlinkClick r:id="rId2"/>
+              </a:rPr>
+              <a:t>findLast</a:t>
+            </a:r>
+            <a:r>
+              <a:rPr lang="en-US" dirty="0">
+                <a:hlinkClick r:id="rId2"/>
+              </a:rPr>
+              <a:t>()</a:t>
+            </a:r>
+            <a:endParaRPr lang="en-US" dirty="0"/>
+          </a:p>
+          <a:p>
+            <a:r>
+              <a:rPr lang="en-US" dirty="0">
+                <a:hlinkClick r:id="rId3"/>
+              </a:rPr>
+              <a:t>Array </a:t>
+            </a:r>
+            <a:r>
+              <a:rPr lang="en-US" dirty="0" err="1">
+                <a:hlinkClick r:id="rId3"/>
+              </a:rPr>
+              <a:t>findLastIndex</a:t>
+            </a:r>
+            <a:r>
+              <a:rPr lang="en-US" dirty="0">
+                <a:hlinkClick r:id="rId3"/>
+              </a:rPr>
+              <a:t>()</a:t>
+            </a:r>
+            <a:endParaRPr lang="en-US" dirty="0"/>
+          </a:p>
+          <a:p>
+            <a:r>
+              <a:rPr lang="en-US" dirty="0">
+                <a:hlinkClick r:id="rId4"/>
+              </a:rPr>
+              <a:t>Array </a:t>
+            </a:r>
+            <a:r>
+              <a:rPr lang="en-US" dirty="0" err="1">
+                <a:hlinkClick r:id="rId4"/>
+              </a:rPr>
+              <a:t>toReversed</a:t>
+            </a:r>
+            <a:r>
+              <a:rPr lang="en-US" dirty="0">
+                <a:hlinkClick r:id="rId4"/>
+              </a:rPr>
+              <a:t>()</a:t>
+            </a:r>
+            <a:endParaRPr lang="en-US" dirty="0"/>
+          </a:p>
+          <a:p>
+            <a:r>
+              <a:rPr lang="en-US" dirty="0">
+                <a:hlinkClick r:id="rId5"/>
+              </a:rPr>
+              <a:t>Array </a:t>
+            </a:r>
+            <a:r>
+              <a:rPr lang="en-US" dirty="0" err="1">
+                <a:hlinkClick r:id="rId5"/>
+              </a:rPr>
+              <a:t>toSorted</a:t>
+            </a:r>
+            <a:r>
+              <a:rPr lang="en-US" dirty="0">
+                <a:hlinkClick r:id="rId5"/>
+              </a:rPr>
+              <a:t>()</a:t>
+            </a:r>
+            <a:endParaRPr lang="en-US" dirty="0"/>
+          </a:p>
+          <a:p>
+            <a:r>
+              <a:rPr lang="en-US" dirty="0">
+                <a:hlinkClick r:id="rId6"/>
+              </a:rPr>
+              <a:t>Array </a:t>
+            </a:r>
+            <a:r>
+              <a:rPr lang="en-US" dirty="0" err="1">
+                <a:hlinkClick r:id="rId6"/>
+              </a:rPr>
+              <a:t>toSpliced</a:t>
+            </a:r>
+            <a:r>
+              <a:rPr lang="en-US" dirty="0">
+                <a:hlinkClick r:id="rId6"/>
+              </a:rPr>
+              <a:t>()</a:t>
+            </a:r>
+            <a:endParaRPr lang="en-US" dirty="0"/>
+          </a:p>
+          <a:p>
+            <a:r>
+              <a:rPr lang="en-US" dirty="0">
+                <a:hlinkClick r:id="rId7"/>
+              </a:rPr>
+              <a:t>Array with()</a:t>
+            </a:r>
+            <a:endParaRPr lang="en-US" dirty="0"/>
+          </a:p>
+          <a:p>
+            <a:r>
+              <a:rPr lang="en-US" dirty="0">
+                <a:hlinkClick r:id="rId8"/>
+              </a:rPr>
+              <a:t>#! (Shebang)</a:t>
+            </a:r>
+            <a:endParaRPr lang="en-US" dirty="0"/>
+          </a:p>
+          <a:p>
+            <a:endParaRPr lang="en-US" dirty="0"/>
+          </a:p>
+        </p:txBody>
+      </p:sp>
+      <p:sp>
+        <p:nvSpPr>
+          <p:cNvPr id="4" name="Content Placeholder 3"/>
+          <p:cNvSpPr>
+            <a:spLocks noGrp="1"/>
+          </p:cNvSpPr>
+          <p:nvPr>
+            <p:ph sz="half" idx="2"/>
+          </p:nvPr>
+        </p:nvSpPr>
+        <p:spPr/>
+        <p:txBody>
+          <a:bodyPr/>
+          <a:lstStyle/>
+          <a:p>
+            <a:endParaRPr lang="en-US" dirty="0"/>
+          </a:p>
+        </p:txBody>
+      </p:sp>
+    </p:spTree>
+    <p:extLst>
+      <p:ext uri="{BB962C8B-B14F-4D97-AF65-F5344CB8AC3E}">
+        <p14:creationId xmlns:p14="http://schemas.microsoft.com/office/powerpoint/2010/main" val="2840852803"/>
+      </p:ext>
+    </p:extLst>
+  </p:cSld>
+  <p:clrMapOvr>
+    <a:masterClrMapping/>
+  </p:clrMapOvr>
+  <p:timing>
+    <p:tnLst>
+      <p:par>
+        <p:cTn id="1" dur="indefinite" restart="never" nodeType="tmRoot"/>
+      </p:par>
+    </p:tnLst>
+  </p:timing>
+</p:sld>
+</file>
+
+<file path=ppt/slides/slide22.xml><?xml version="1.0" encoding="utf-8"?>
+<p:sld xmlns:a="http://schemas.openxmlformats.org/drawingml/2006/main" xmlns:r="http://schemas.openxmlformats.org/officeDocument/2006/relationships" xmlns:p="http://schemas.openxmlformats.org/presentationml/2006/main">
+  <p:cSld>
+    <p:spTree>
+      <p:nvGrpSpPr>
+        <p:cNvPr id="1" name=""/>
+        <p:cNvGrpSpPr/>
+        <p:nvPr/>
+      </p:nvGrpSpPr>
+      <p:grpSpPr>
+        <a:xfrm>
+          <a:off x="0" y="0"/>
+          <a:ext cx="0" cy="0"/>
+          <a:chOff x="0" y="0"/>
+          <a:chExt cx="0" cy="0"/>
+        </a:xfrm>
+      </p:grpSpPr>
+      <p:sp>
+        <p:nvSpPr>
+          <p:cNvPr id="2" name="Title 1"/>
+          <p:cNvSpPr>
+            <a:spLocks noGrp="1"/>
+          </p:cNvSpPr>
+          <p:nvPr>
+            <p:ph type="title"/>
+          </p:nvPr>
+        </p:nvSpPr>
+        <p:spPr/>
+        <p:txBody>
+          <a:bodyPr/>
+          <a:lstStyle/>
+          <a:p>
+            <a:r>
+              <a:rPr lang="en-US" dirty="0"/>
+              <a:t>Error Handling</a:t>
+            </a:r>
+          </a:p>
+        </p:txBody>
+      </p:sp>
+      <p:sp>
+        <p:nvSpPr>
+          <p:cNvPr id="3" name="Content Placeholder 2"/>
+          <p:cNvSpPr>
+            <a:spLocks noGrp="1"/>
+          </p:cNvSpPr>
+          <p:nvPr>
+            <p:ph idx="1"/>
+          </p:nvPr>
+        </p:nvSpPr>
+        <p:spPr/>
+        <p:txBody>
+          <a:bodyPr/>
+          <a:lstStyle/>
+          <a:p>
+            <a:r>
+              <a:rPr lang="en-US" dirty="0"/>
+              <a:t>try...catch statements,</a:t>
+            </a:r>
+          </a:p>
+          <a:p>
+            <a:r>
+              <a:rPr lang="en-US" dirty="0"/>
+              <a:t> Throwing and catching errors</a:t>
+            </a:r>
+          </a:p>
+          <a:p>
+            <a:endParaRPr lang="en-US" dirty="0"/>
+          </a:p>
+        </p:txBody>
+      </p:sp>
+    </p:spTree>
+    <p:extLst>
+      <p:ext uri="{BB962C8B-B14F-4D97-AF65-F5344CB8AC3E}">
+        <p14:creationId xmlns:p14="http://schemas.microsoft.com/office/powerpoint/2010/main" val="4067154454"/>
+      </p:ext>
+    </p:extLst>
+  </p:cSld>
+  <p:clrMapOvr>
+    <a:masterClrMapping/>
+  </p:clrMapOvr>
+  <p:timing>
+    <p:tnLst>
+      <p:par>
+        <p:cTn id="1" dur="indefinite" restart="never" nodeType="tmRoot"/>
+      </p:par>
+    </p:tnLst>
+  </p:timing>
+</p:sld>
+</file>
+
+<file path=ppt/slides/slide23.xml><?xml version="1.0" encoding="utf-8"?>
+<p:sld xmlns:a="http://schemas.openxmlformats.org/drawingml/2006/main" xmlns:r="http://schemas.openxmlformats.org/officeDocument/2006/relationships" xmlns:p="http://schemas.openxmlformats.org/presentationml/2006/main">
+  <p:cSld>
+    <p:spTree>
+      <p:nvGrpSpPr>
+        <p:cNvPr id="1" name=""/>
+        <p:cNvGrpSpPr/>
+        <p:nvPr/>
+      </p:nvGrpSpPr>
+      <p:grpSpPr>
+        <a:xfrm>
+          <a:off x="0" y="0"/>
+          <a:ext cx="0" cy="0"/>
+          <a:chOff x="0" y="0"/>
+          <a:chExt cx="0" cy="0"/>
+        </a:xfrm>
+      </p:grpSpPr>
+      <p:sp>
+        <p:nvSpPr>
+          <p:cNvPr id="2" name="Title 1"/>
+          <p:cNvSpPr>
+            <a:spLocks noGrp="1"/>
+          </p:cNvSpPr>
+          <p:nvPr>
+            <p:ph type="title"/>
+          </p:nvPr>
+        </p:nvSpPr>
+        <p:spPr/>
+        <p:txBody>
+          <a:bodyPr/>
+          <a:lstStyle/>
+          <a:p>
+            <a:r>
+              <a:rPr lang="en-US" dirty="0"/>
+              <a:t>Regular Expressions</a:t>
+            </a:r>
+          </a:p>
+        </p:txBody>
+      </p:sp>
+      <p:sp>
+        <p:nvSpPr>
+          <p:cNvPr id="3" name="Content Placeholder 2"/>
+          <p:cNvSpPr>
+            <a:spLocks noGrp="1"/>
+          </p:cNvSpPr>
+          <p:nvPr>
+            <p:ph idx="1"/>
+          </p:nvPr>
+        </p:nvSpPr>
+        <p:spPr/>
+        <p:txBody>
+          <a:bodyPr>
+            <a:normAutofit fontScale="92500" lnSpcReduction="20000"/>
+          </a:bodyPr>
+          <a:lstStyle/>
+          <a:p>
+            <a:r>
+              <a:rPr lang="en-US" dirty="0"/>
+              <a:t>Pattern matching with </a:t>
+            </a:r>
+            <a:r>
+              <a:rPr lang="en-US" dirty="0" err="1"/>
+              <a:t>RegExp</a:t>
+            </a:r>
+            <a:r>
+              <a:rPr lang="en-US" dirty="0"/>
+              <a:t>, </a:t>
+            </a:r>
+          </a:p>
+          <a:p>
+            <a:r>
+              <a:rPr lang="en-US" dirty="0" err="1"/>
+              <a:t>RegExp</a:t>
+            </a:r>
+            <a:r>
+              <a:rPr lang="en-US" dirty="0"/>
+              <a:t> methods (test, exec, etc</a:t>
+            </a:r>
+            <a:r>
+              <a:rPr lang="en-US" dirty="0" smtClean="0"/>
+              <a:t>.).</a:t>
+            </a:r>
+          </a:p>
+          <a:p>
+            <a:r>
+              <a:rPr lang="en-US" dirty="0"/>
+              <a:t>search</a:t>
+            </a:r>
+            <a:r>
+              <a:rPr lang="en-US" dirty="0" smtClean="0"/>
+              <a:t>()</a:t>
+            </a:r>
+          </a:p>
+          <a:p>
+            <a:r>
+              <a:rPr lang="en-US" dirty="0"/>
+              <a:t>replace()</a:t>
+            </a:r>
+          </a:p>
+          <a:p>
+            <a:r>
+              <a:rPr lang="en-US" dirty="0"/>
+              <a:t>test()</a:t>
+            </a:r>
+          </a:p>
+          <a:p>
+            <a:r>
+              <a:rPr lang="en-US" dirty="0"/>
+              <a:t>exec()</a:t>
+            </a:r>
+          </a:p>
+          <a:p>
+            <a:r>
+              <a:rPr lang="en-US" b="1" dirty="0"/>
+              <a:t>Modifiers</a:t>
+            </a:r>
+            <a:r>
+              <a:rPr lang="en-US" dirty="0"/>
+              <a:t> </a:t>
+            </a:r>
+            <a:endParaRPr lang="en-US" dirty="0" smtClean="0"/>
+          </a:p>
+          <a:p>
+            <a:r>
+              <a:rPr lang="en-US" dirty="0" smtClean="0"/>
+              <a:t>Patterns</a:t>
+            </a:r>
+            <a:endParaRPr lang="en-US" dirty="0" smtClean="0"/>
+          </a:p>
+          <a:p>
+            <a:r>
+              <a:rPr lang="en-US" b="1" dirty="0" err="1"/>
+              <a:t>Metacharacters</a:t>
+            </a:r>
+            <a:r>
+              <a:rPr lang="en-US" dirty="0"/>
+              <a:t> </a:t>
+            </a:r>
+            <a:endParaRPr lang="en-US" dirty="0" smtClean="0"/>
+          </a:p>
+          <a:p>
+            <a:r>
+              <a:rPr lang="en-US" b="1" dirty="0"/>
+              <a:t>Quantifiers</a:t>
+            </a:r>
+            <a:r>
+              <a:rPr lang="en-US" dirty="0"/>
+              <a:t> </a:t>
+            </a:r>
+            <a:endParaRPr lang="en-US" dirty="0"/>
+          </a:p>
+          <a:p>
+            <a:endParaRPr lang="en-US" dirty="0"/>
+          </a:p>
+        </p:txBody>
+      </p:sp>
+    </p:spTree>
+    <p:extLst>
+      <p:ext uri="{BB962C8B-B14F-4D97-AF65-F5344CB8AC3E}">
+        <p14:creationId xmlns:p14="http://schemas.microsoft.com/office/powerpoint/2010/main" val="3248203381"/>
+      </p:ext>
+    </p:extLst>
+  </p:cSld>
+  <p:clrMapOvr>
+    <a:masterClrMapping/>
+  </p:clrMapOvr>
+  <p:timing>
+    <p:tnLst>
+      <p:par>
+        <p:cTn id="1" dur="indefinite" restart="never" nodeType="tmRoot"/>
+      </p:par>
+    </p:tnLst>
+  </p:timing>
+</p:sld>
+</file>
+
+<file path=ppt/slides/slide24.xml><?xml version="1.0" encoding="utf-8"?>
+<p:sld xmlns:a="http://schemas.openxmlformats.org/drawingml/2006/main" xmlns:r="http://schemas.openxmlformats.org/officeDocument/2006/relationships" xmlns:p="http://schemas.openxmlformats.org/presentationml/2006/main">
+  <p:cSld>
+    <p:spTree>
+      <p:nvGrpSpPr>
+        <p:cNvPr id="1" name=""/>
+        <p:cNvGrpSpPr/>
+        <p:nvPr/>
+      </p:nvGrpSpPr>
+      <p:grpSpPr>
+        <a:xfrm>
+          <a:off x="0" y="0"/>
+          <a:ext cx="0" cy="0"/>
+          <a:chOff x="0" y="0"/>
+          <a:chExt cx="0" cy="0"/>
+        </a:xfrm>
+      </p:grpSpPr>
+      <p:sp>
+        <p:nvSpPr>
+          <p:cNvPr id="2" name="Title 1"/>
+          <p:cNvSpPr>
+            <a:spLocks noGrp="1"/>
+          </p:cNvSpPr>
+          <p:nvPr>
+            <p:ph type="title"/>
+          </p:nvPr>
+        </p:nvSpPr>
+        <p:spPr/>
+        <p:txBody>
+          <a:bodyPr/>
+          <a:lstStyle/>
+          <a:p>
+            <a:r>
+              <a:rPr lang="en-US" dirty="0"/>
+              <a:t>Debugging</a:t>
+            </a:r>
+          </a:p>
+        </p:txBody>
+      </p:sp>
+      <p:sp>
+        <p:nvSpPr>
+          <p:cNvPr id="3" name="Content Placeholder 2"/>
+          <p:cNvSpPr>
+            <a:spLocks noGrp="1"/>
+          </p:cNvSpPr>
+          <p:nvPr>
+            <p:ph idx="1"/>
+          </p:nvPr>
+        </p:nvSpPr>
+        <p:spPr/>
+        <p:txBody>
+          <a:bodyPr/>
+          <a:lstStyle/>
+          <a:p>
+            <a:r>
+              <a:rPr lang="en-US" dirty="0"/>
+              <a:t>Using browser developer tools, </a:t>
+            </a:r>
+          </a:p>
+          <a:p>
+            <a:r>
+              <a:rPr lang="en-US" dirty="0"/>
+              <a:t>Console methods (console.log, </a:t>
+            </a:r>
+            <a:r>
+              <a:rPr lang="en-US" dirty="0" err="1"/>
+              <a:t>console.error</a:t>
+            </a:r>
+            <a:r>
+              <a:rPr lang="en-US" dirty="0"/>
+              <a:t>, etc.).</a:t>
+            </a:r>
+          </a:p>
+          <a:p>
+            <a:endParaRPr lang="en-US" dirty="0"/>
+          </a:p>
+        </p:txBody>
+      </p:sp>
+    </p:spTree>
+    <p:extLst>
+      <p:ext uri="{BB962C8B-B14F-4D97-AF65-F5344CB8AC3E}">
+        <p14:creationId xmlns:p14="http://schemas.microsoft.com/office/powerpoint/2010/main" val="3221492007"/>
+      </p:ext>
+    </p:extLst>
+  </p:cSld>
+  <p:clrMapOvr>
+    <a:masterClrMapping/>
+  </p:clrMapOvr>
+  <p:timing>
+    <p:tnLst>
+      <p:par>
+        <p:cTn id="1" dur="indefinite" restart="never" nodeType="tmRoot"/>
+      </p:par>
+    </p:tnLst>
+  </p:timing>
+</p:sld>
+</file>
+
+<file path=ppt/slides/slide25.xml><?xml version="1.0" encoding="utf-8"?>
+<p:sld xmlns:a="http://schemas.openxmlformats.org/drawingml/2006/main" xmlns:r="http://schemas.openxmlformats.org/officeDocument/2006/relationships" xmlns:p="http://schemas.openxmlformats.org/presentationml/2006/main">
+  <p:cSld>
+    <p:spTree>
+      <p:nvGrpSpPr>
+        <p:cNvPr id="1" name=""/>
+        <p:cNvGrpSpPr/>
+        <p:nvPr/>
+      </p:nvGrpSpPr>
+      <p:grpSpPr>
+        <a:xfrm>
+          <a:off x="0" y="0"/>
+          <a:ext cx="0" cy="0"/>
+          <a:chOff x="0" y="0"/>
+          <a:chExt cx="0" cy="0"/>
+        </a:xfrm>
+      </p:grpSpPr>
+      <p:sp>
+        <p:nvSpPr>
+          <p:cNvPr id="2" name="Title 1"/>
+          <p:cNvSpPr>
+            <a:spLocks noGrp="1"/>
+          </p:cNvSpPr>
+          <p:nvPr>
+            <p:ph type="title"/>
+          </p:nvPr>
+        </p:nvSpPr>
+        <p:spPr/>
+        <p:txBody>
+          <a:bodyPr/>
+          <a:lstStyle/>
+          <a:p>
+            <a:r>
+              <a:rPr lang="en-US" dirty="0"/>
+              <a:t>Performance Optimization</a:t>
+            </a:r>
+          </a:p>
+        </p:txBody>
+      </p:sp>
+      <p:sp>
+        <p:nvSpPr>
+          <p:cNvPr id="3" name="Content Placeholder 2"/>
+          <p:cNvSpPr>
+            <a:spLocks noGrp="1"/>
+          </p:cNvSpPr>
+          <p:nvPr>
+            <p:ph idx="1"/>
+          </p:nvPr>
+        </p:nvSpPr>
+        <p:spPr/>
+        <p:txBody>
+          <a:bodyPr/>
+          <a:lstStyle/>
+          <a:p>
+            <a:r>
+              <a:rPr lang="en-US" dirty="0" err="1"/>
+              <a:t>Minification</a:t>
+            </a:r>
+            <a:r>
+              <a:rPr lang="en-US" dirty="0"/>
+              <a:t> and bundling, </a:t>
+            </a:r>
+          </a:p>
+          <a:p>
+            <a:r>
+              <a:rPr lang="en-US" dirty="0"/>
+              <a:t>Lazy loading, </a:t>
+            </a:r>
+          </a:p>
+          <a:p>
+            <a:r>
+              <a:rPr lang="en-US" dirty="0"/>
+              <a:t>Caching, </a:t>
+            </a:r>
+          </a:p>
+          <a:p>
+            <a:r>
+              <a:rPr lang="en-US" dirty="0" err="1"/>
+              <a:t>Debouncing</a:t>
+            </a:r>
+            <a:r>
+              <a:rPr lang="en-US" dirty="0"/>
+              <a:t> and throttling.</a:t>
+            </a:r>
+          </a:p>
+          <a:p>
+            <a:endParaRPr lang="en-US" dirty="0"/>
+          </a:p>
+        </p:txBody>
+      </p:sp>
+    </p:spTree>
+    <p:extLst>
+      <p:ext uri="{BB962C8B-B14F-4D97-AF65-F5344CB8AC3E}">
+        <p14:creationId xmlns:p14="http://schemas.microsoft.com/office/powerpoint/2010/main" val="4009243281"/>
+      </p:ext>
+    </p:extLst>
+  </p:cSld>
+  <p:clrMapOvr>
+    <a:masterClrMapping/>
+  </p:clrMapOvr>
+  <p:timing>
+    <p:tnLst>
+      <p:par>
+        <p:cTn id="1" dur="indefinite" restart="never" nodeType="tmRoot"/>
+      </p:par>
+    </p:tnLst>
+  </p:timing>
+</p:sld>
+</file>
+
+<file path=ppt/slides/slide26.xml><?xml version="1.0" encoding="utf-8"?>
+<p:sld xmlns:a="http://schemas.openxmlformats.org/drawingml/2006/main" xmlns:r="http://schemas.openxmlformats.org/officeDocument/2006/relationships" xmlns:p="http://schemas.openxmlformats.org/presentationml/2006/main">
+  <p:cSld>
+    <p:spTree>
+      <p:nvGrpSpPr>
+        <p:cNvPr id="1" name=""/>
+        <p:cNvGrpSpPr/>
+        <p:nvPr/>
+      </p:nvGrpSpPr>
+      <p:grpSpPr>
+        <a:xfrm>
+          <a:off x="0" y="0"/>
+          <a:ext cx="0" cy="0"/>
+          <a:chOff x="0" y="0"/>
+          <a:chExt cx="0" cy="0"/>
+        </a:xfrm>
+      </p:grpSpPr>
+      <p:sp>
+        <p:nvSpPr>
+          <p:cNvPr id="2" name="Title 1"/>
+          <p:cNvSpPr>
+            <a:spLocks noGrp="1"/>
+          </p:cNvSpPr>
+          <p:nvPr>
+            <p:ph type="title"/>
+          </p:nvPr>
+        </p:nvSpPr>
+        <p:spPr/>
+        <p:txBody>
+          <a:bodyPr/>
+          <a:lstStyle/>
+          <a:p>
+            <a:r>
+              <a:rPr lang="en-US" dirty="0"/>
+              <a:t>Security</a:t>
+            </a:r>
+          </a:p>
+        </p:txBody>
+      </p:sp>
+      <p:sp>
+        <p:nvSpPr>
+          <p:cNvPr id="3" name="Content Placeholder 2"/>
+          <p:cNvSpPr>
+            <a:spLocks noGrp="1"/>
+          </p:cNvSpPr>
+          <p:nvPr>
+            <p:ph idx="1"/>
+          </p:nvPr>
+        </p:nvSpPr>
+        <p:spPr/>
+        <p:txBody>
+          <a:bodyPr/>
+          <a:lstStyle/>
+          <a:p>
+            <a:r>
+              <a:rPr lang="en-US" dirty="0"/>
+              <a:t>Cross-site scripting (XSS) prevention, </a:t>
+            </a:r>
+          </a:p>
+          <a:p>
+            <a:r>
+              <a:rPr lang="en-US" dirty="0"/>
+              <a:t>Cross-site request forgery (CSRF) prevention, </a:t>
+            </a:r>
+          </a:p>
+          <a:p>
+            <a:r>
+              <a:rPr lang="en-US" dirty="0"/>
+              <a:t>Content Security Policy (CSP).</a:t>
+            </a:r>
+          </a:p>
+          <a:p>
+            <a:endParaRPr lang="en-US" dirty="0"/>
+          </a:p>
+        </p:txBody>
+      </p:sp>
+    </p:spTree>
+    <p:extLst>
+      <p:ext uri="{BB962C8B-B14F-4D97-AF65-F5344CB8AC3E}">
+        <p14:creationId xmlns:p14="http://schemas.microsoft.com/office/powerpoint/2010/main" val="3426146137"/>
+      </p:ext>
+    </p:extLst>
+  </p:cSld>
+  <p:clrMapOvr>
+    <a:masterClrMapping/>
+  </p:clrMapOvr>
+  <p:timing>
+    <p:tnLst>
+      <p:par>
+        <p:cTn id="1" dur="indefinite" restart="never" nodeType="tmRoot"/>
+      </p:par>
+    </p:tnLst>
+  </p:timing>
+</p:sld>
+</file>
+
+<file path=ppt/slides/slide27.xml><?xml version="1.0" encoding="utf-8"?>
+<p:sld xmlns:a="http://schemas.openxmlformats.org/drawingml/2006/main" xmlns:r="http://schemas.openxmlformats.org/officeDocument/2006/relationships" xmlns:p="http://schemas.openxmlformats.org/presentationml/2006/main">
+  <p:cSld>
+    <p:spTree>
+      <p:nvGrpSpPr>
+        <p:cNvPr id="1" name=""/>
+        <p:cNvGrpSpPr/>
+        <p:nvPr/>
+      </p:nvGrpSpPr>
+      <p:grpSpPr>
+        <a:xfrm>
+          <a:off x="0" y="0"/>
+          <a:ext cx="0" cy="0"/>
+          <a:chOff x="0" y="0"/>
+          <a:chExt cx="0" cy="0"/>
+        </a:xfrm>
+      </p:grpSpPr>
+      <p:sp>
+        <p:nvSpPr>
+          <p:cNvPr id="2" name="Title 1"/>
+          <p:cNvSpPr>
+            <a:spLocks noGrp="1"/>
+          </p:cNvSpPr>
+          <p:nvPr>
+            <p:ph type="title"/>
+          </p:nvPr>
+        </p:nvSpPr>
+        <p:spPr/>
+        <p:txBody>
+          <a:bodyPr/>
+          <a:lstStyle/>
+          <a:p>
+            <a:r>
+              <a:rPr lang="en-US" dirty="0"/>
+              <a:t>Frameworks and Libraries</a:t>
+            </a:r>
+          </a:p>
+        </p:txBody>
+      </p:sp>
+      <p:sp>
+        <p:nvSpPr>
+          <p:cNvPr id="3" name="Content Placeholder 2"/>
+          <p:cNvSpPr>
+            <a:spLocks noGrp="1"/>
+          </p:cNvSpPr>
+          <p:nvPr>
+            <p:ph idx="1"/>
+          </p:nvPr>
+        </p:nvSpPr>
+        <p:spPr/>
+        <p:txBody>
+          <a:bodyPr/>
+          <a:lstStyle/>
+          <a:p>
+            <a:r>
+              <a:rPr lang="en-US" dirty="0"/>
+              <a:t>React.js,</a:t>
+            </a:r>
+          </a:p>
+          <a:p>
+            <a:r>
+              <a:rPr lang="en-US" dirty="0"/>
+              <a:t> Vue.js,</a:t>
+            </a:r>
+          </a:p>
+          <a:p>
+            <a:r>
+              <a:rPr lang="en-US" dirty="0"/>
+              <a:t> Angular, </a:t>
+            </a:r>
+          </a:p>
+          <a:p>
+            <a:r>
+              <a:rPr lang="en-US" dirty="0"/>
+              <a:t>Express.js (for server-side JavaScript), </a:t>
+            </a:r>
+          </a:p>
+          <a:p>
+            <a:r>
+              <a:rPr lang="en-US" dirty="0"/>
+              <a:t>Node.js,</a:t>
+            </a:r>
+          </a:p>
+          <a:p>
+            <a:r>
+              <a:rPr lang="en-US" dirty="0" err="1"/>
+              <a:t>NextJS</a:t>
+            </a:r>
+            <a:r>
+              <a:rPr lang="en-US" dirty="0"/>
+              <a:t>,</a:t>
+            </a:r>
+          </a:p>
+          <a:p>
+            <a:r>
+              <a:rPr lang="en-US" dirty="0"/>
+              <a:t>Svelte</a:t>
+            </a:r>
+          </a:p>
+          <a:p>
+            <a:endParaRPr lang="en-US" dirty="0"/>
+          </a:p>
+        </p:txBody>
+      </p:sp>
+    </p:spTree>
+    <p:extLst>
+      <p:ext uri="{BB962C8B-B14F-4D97-AF65-F5344CB8AC3E}">
+        <p14:creationId xmlns:p14="http://schemas.microsoft.com/office/powerpoint/2010/main" val="4085728344"/>
+      </p:ext>
+    </p:extLst>
+  </p:cSld>
+  <p:clrMapOvr>
+    <a:masterClrMapping/>
+  </p:clrMapOvr>
+  <p:timing>
+    <p:tnLst>
+      <p:par>
+        <p:cTn id="1" dur="indefinite" restart="never" nodeType="tmRoot"/>
+      </p:par>
+    </p:tnLst>
+  </p:timing>
+</p:sld>
+</file>
+
+<file path=ppt/slides/slide28.xml><?xml version="1.0" encoding="utf-8"?>
+<p:sld xmlns:a="http://schemas.openxmlformats.org/drawingml/2006/main" xmlns:r="http://schemas.openxmlformats.org/officeDocument/2006/relationships" xmlns:p="http://schemas.openxmlformats.org/presentationml/2006/main">
+  <p:cSld>
+    <p:spTree>
+      <p:nvGrpSpPr>
+        <p:cNvPr id="1" name=""/>
+        <p:cNvGrpSpPr/>
+        <p:nvPr/>
+      </p:nvGrpSpPr>
+      <p:grpSpPr>
+        <a:xfrm>
+          <a:off x="0" y="0"/>
+          <a:ext cx="0" cy="0"/>
+          <a:chOff x="0" y="0"/>
+          <a:chExt cx="0" cy="0"/>
+        </a:xfrm>
+      </p:grpSpPr>
+      <p:sp>
+        <p:nvSpPr>
+          <p:cNvPr id="2" name="Title 1"/>
+          <p:cNvSpPr>
+            <a:spLocks noGrp="1"/>
+          </p:cNvSpPr>
+          <p:nvPr>
+            <p:ph type="title"/>
+          </p:nvPr>
+        </p:nvSpPr>
+        <p:spPr/>
+        <p:txBody>
+          <a:bodyPr/>
+          <a:lstStyle/>
+          <a:p>
+            <a:r>
+              <a:rPr lang="en-US" dirty="0"/>
+              <a:t>Package Managers</a:t>
+            </a:r>
+          </a:p>
+        </p:txBody>
+      </p:sp>
+      <p:sp>
+        <p:nvSpPr>
+          <p:cNvPr id="3" name="Content Placeholder 2"/>
+          <p:cNvSpPr>
+            <a:spLocks noGrp="1"/>
+          </p:cNvSpPr>
+          <p:nvPr>
+            <p:ph idx="1"/>
+          </p:nvPr>
+        </p:nvSpPr>
+        <p:spPr/>
+        <p:txBody>
+          <a:bodyPr/>
+          <a:lstStyle/>
+          <a:p>
+            <a:r>
+              <a:rPr lang="en-US" dirty="0" err="1"/>
+              <a:t>npm</a:t>
+            </a:r>
+            <a:r>
+              <a:rPr lang="en-US" dirty="0"/>
+              <a:t>, </a:t>
+            </a:r>
+          </a:p>
+          <a:p>
+            <a:r>
+              <a:rPr lang="en-US" dirty="0"/>
+              <a:t>Yarn.</a:t>
+            </a:r>
+          </a:p>
+          <a:p>
+            <a:endParaRPr lang="en-US" dirty="0"/>
+          </a:p>
+        </p:txBody>
+      </p:sp>
+    </p:spTree>
+    <p:extLst>
+      <p:ext uri="{BB962C8B-B14F-4D97-AF65-F5344CB8AC3E}">
+        <p14:creationId xmlns:p14="http://schemas.microsoft.com/office/powerpoint/2010/main" val="910642442"/>
+      </p:ext>
+    </p:extLst>
+  </p:cSld>
+  <p:clrMapOvr>
+    <a:masterClrMapping/>
+  </p:clrMapOvr>
+  <p:timing>
+    <p:tnLst>
+      <p:par>
+        <p:cTn id="1" dur="indefinite" restart="never" nodeType="tmRoot"/>
+      </p:par>
+    </p:tnLst>
+  </p:timing>
+</p:sld>
+</file>
+
+<file path=ppt/slides/slide29.xml><?xml version="1.0" encoding="utf-8"?>
+<p:sld xmlns:a="http://schemas.openxmlformats.org/drawingml/2006/main" xmlns:r="http://schemas.openxmlformats.org/officeDocument/2006/relationships" xmlns:p="http://schemas.openxmlformats.org/presentationml/2006/main">
+  <p:cSld>
+    <p:spTree>
+      <p:nvGrpSpPr>
+        <p:cNvPr id="1" name=""/>
+        <p:cNvGrpSpPr/>
+        <p:nvPr/>
+      </p:nvGrpSpPr>
+      <p:grpSpPr>
+        <a:xfrm>
+          <a:off x="0" y="0"/>
+          <a:ext cx="0" cy="0"/>
+          <a:chOff x="0" y="0"/>
+          <a:chExt cx="0" cy="0"/>
+        </a:xfrm>
+      </p:grpSpPr>
+      <p:sp>
+        <p:nvSpPr>
+          <p:cNvPr id="2" name="Title 1"/>
+          <p:cNvSpPr>
+            <a:spLocks noGrp="1"/>
+          </p:cNvSpPr>
+          <p:nvPr>
+            <p:ph type="title"/>
+          </p:nvPr>
+        </p:nvSpPr>
+        <p:spPr/>
+        <p:txBody>
+          <a:bodyPr/>
+          <a:lstStyle/>
+          <a:p>
+            <a:r>
+              <a:rPr lang="en-US" dirty="0"/>
+              <a:t>Build Tools</a:t>
+            </a:r>
+          </a:p>
+        </p:txBody>
+      </p:sp>
+      <p:sp>
+        <p:nvSpPr>
+          <p:cNvPr id="3" name="Content Placeholder 2"/>
+          <p:cNvSpPr>
+            <a:spLocks noGrp="1"/>
+          </p:cNvSpPr>
+          <p:nvPr>
+            <p:ph idx="1"/>
+          </p:nvPr>
+        </p:nvSpPr>
+        <p:spPr/>
+        <p:txBody>
+          <a:bodyPr/>
+          <a:lstStyle/>
+          <a:p>
+            <a:r>
+              <a:rPr lang="en-US" dirty="0" err="1"/>
+              <a:t>Webpack</a:t>
+            </a:r>
+            <a:r>
+              <a:rPr lang="en-US" dirty="0"/>
+              <a:t>, </a:t>
+            </a:r>
+          </a:p>
+          <a:p>
+            <a:r>
+              <a:rPr lang="en-US" dirty="0"/>
+              <a:t>Babel, </a:t>
+            </a:r>
+          </a:p>
+          <a:p>
+            <a:r>
+              <a:rPr lang="en-US" dirty="0" err="1"/>
+              <a:t>ESLint</a:t>
+            </a:r>
+            <a:r>
+              <a:rPr lang="en-US" dirty="0"/>
+              <a:t>.</a:t>
+            </a:r>
+          </a:p>
+          <a:p>
+            <a:endParaRPr lang="en-US" dirty="0"/>
+          </a:p>
+        </p:txBody>
+      </p:sp>
+    </p:spTree>
+    <p:extLst>
+      <p:ext uri="{BB962C8B-B14F-4D97-AF65-F5344CB8AC3E}">
+        <p14:creationId xmlns:p14="http://schemas.microsoft.com/office/powerpoint/2010/main" val="1401997466"/>
       </p:ext>
     </p:extLst>
   </p:cSld>
@@ -4187,7 +6487,7 @@
           <a:p>
             <a:r>
               <a:rPr lang="en-US" dirty="0"/>
-              <a:t>Data Types</a:t>
+              <a:t>Variables</a:t>
             </a:r>
           </a:p>
         </p:txBody>
@@ -4205,130 +6505,94 @@
         <p:spPr/>
         <p:txBody>
           <a:bodyPr>
-            <a:normAutofit fontScale="32500" lnSpcReduction="20000"/>
+            <a:normAutofit lnSpcReduction="10000"/>
           </a:bodyPr>
           <a:lstStyle/>
           <a:p>
             <a:r>
-              <a:rPr lang="en-US" dirty="0"/>
-              <a:t>Primitive datatypes, </a:t>
-            </a:r>
-          </a:p>
-          <a:p>
-            <a:r>
-              <a:rPr lang="en-US" dirty="0"/>
-              <a:t>Composite/non c primitive datatypes,</a:t>
-            </a:r>
-          </a:p>
-          <a:p>
-            <a:r>
-              <a:rPr lang="en-US" dirty="0"/>
-              <a:t>String,</a:t>
-            </a:r>
-          </a:p>
-          <a:p>
-            <a:r>
-              <a:rPr lang="en-US" dirty="0"/>
-              <a:t>Number,</a:t>
-            </a:r>
-          </a:p>
-          <a:p>
-            <a:r>
-              <a:rPr lang="en-US" dirty="0"/>
-              <a:t>Boolean,</a:t>
-            </a:r>
-          </a:p>
-          <a:p>
-            <a:r>
-              <a:rPr lang="en-US" dirty="0"/>
-              <a:t>Arrays,</a:t>
-            </a:r>
-          </a:p>
-          <a:p>
-            <a:r>
-              <a:rPr lang="en-US" dirty="0"/>
-              <a:t>Objects,</a:t>
-            </a:r>
-          </a:p>
-          <a:p>
-            <a:r>
-              <a:rPr lang="en-US" dirty="0"/>
-              <a:t>Function,</a:t>
-            </a:r>
-          </a:p>
-          <a:p>
-            <a:r>
-              <a:rPr lang="en-US" dirty="0"/>
-              <a:t>Iterating over arrays (e.g., </a:t>
-            </a:r>
+              <a:rPr lang="en-US" dirty="0">
+                <a:hlinkClick r:id="rId2"/>
+              </a:rPr>
+              <a:t>https://</a:t>
+            </a:r>
+            <a:r>
+              <a:rPr lang="en-US" dirty="0" smtClean="0">
+                <a:hlinkClick r:id="rId2"/>
+              </a:rPr>
+              <a:t>www.w3schools.com/js/js_variables.asp</a:t>
+            </a:r>
+            <a:endParaRPr lang="en-US" dirty="0" smtClean="0"/>
+          </a:p>
+          <a:p>
+            <a:r>
+              <a:rPr lang="en-US" dirty="0" err="1" smtClean="0"/>
+              <a:t>Var</a:t>
+            </a:r>
+            <a:r>
+              <a:rPr lang="en-US" dirty="0"/>
+              <a:t>,</a:t>
+            </a:r>
+          </a:p>
+          <a:p>
+            <a:r>
+              <a:rPr lang="en-US" dirty="0"/>
+              <a:t>Let,</a:t>
+            </a:r>
+          </a:p>
+          <a:p>
             <a:r>
               <a:rPr lang="en-US" dirty="0" err="1"/>
-              <a:t>forEach</a:t>
-            </a:r>
-            <a:r>
-              <a:rPr lang="en-US" dirty="0"/>
-              <a:t>, map, filter),</a:t>
-            </a:r>
-          </a:p>
-          <a:p>
-            <a:r>
-              <a:rPr lang="en-US" dirty="0"/>
-              <a:t>Modifying arrays (e.g., push, pop, splice),</a:t>
-            </a:r>
-          </a:p>
-          <a:p>
-            <a:r>
-              <a:rPr lang="en-US" dirty="0"/>
-              <a:t>Array DE-structuring,</a:t>
-            </a:r>
-          </a:p>
-          <a:p>
-            <a:r>
-              <a:rPr lang="en-US" dirty="0"/>
-              <a:t>Creating objects,</a:t>
-            </a:r>
-          </a:p>
-          <a:p>
-            <a:r>
-              <a:rPr lang="en-US" dirty="0"/>
-              <a:t>Accessing and modifying object properties,</a:t>
-            </a:r>
-          </a:p>
-          <a:p>
-            <a:r>
-              <a:rPr lang="en-US" dirty="0"/>
-              <a:t>Object methods,</a:t>
-            </a:r>
-          </a:p>
-          <a:p>
-            <a:r>
-              <a:rPr lang="en-US" dirty="0"/>
-              <a:t>Prototypes and inheritance,</a:t>
-            </a:r>
-          </a:p>
-          <a:p>
-            <a:r>
-              <a:rPr lang="en-US" dirty="0"/>
-              <a:t>ES6 Classes,</a:t>
-            </a:r>
-          </a:p>
-          <a:p>
-            <a:r>
-              <a:rPr lang="en-US" dirty="0"/>
-              <a:t>Null,</a:t>
-            </a:r>
-          </a:p>
-          <a:p>
-            <a:r>
-              <a:rPr lang="en-US" dirty="0"/>
-              <a:t>Undefined,</a:t>
-            </a:r>
-          </a:p>
-          <a:p>
-            <a:r>
-              <a:rPr lang="en-US" dirty="0"/>
-              <a:t>Symbol (ES6)</a:t>
-            </a:r>
+              <a:t>Const</a:t>
+            </a:r>
+            <a:r>
+              <a:rPr lang="en-US" dirty="0"/>
+              <a:t>,</a:t>
+            </a:r>
+          </a:p>
+          <a:p>
+            <a:r>
+              <a:rPr lang="en-US" dirty="0"/>
+              <a:t>Global scope,</a:t>
+            </a:r>
+          </a:p>
+          <a:p>
+            <a:r>
+              <a:rPr lang="en-US" dirty="0"/>
+              <a:t>Local </a:t>
+            </a:r>
+            <a:r>
+              <a:rPr lang="en-US" dirty="0" smtClean="0"/>
+              <a:t>scope, Functional scope, block scope</a:t>
+            </a:r>
+            <a:endParaRPr lang="en-US" dirty="0"/>
+          </a:p>
+          <a:p>
+            <a:r>
+              <a:rPr lang="en-US" dirty="0"/>
+              <a:t>Variable hoisting</a:t>
+            </a:r>
+            <a:r>
+              <a:rPr lang="en-US" dirty="0" smtClean="0"/>
+              <a:t>,</a:t>
+            </a:r>
+          </a:p>
+          <a:p>
+            <a:r>
+              <a:rPr lang="en-US" dirty="0"/>
+              <a:t>The "use strict" </a:t>
+            </a:r>
+            <a:r>
+              <a:rPr lang="en-US" dirty="0" smtClean="0"/>
+              <a:t>Directive</a:t>
+            </a:r>
+            <a:endParaRPr lang="en-US" dirty="0" smtClean="0"/>
+          </a:p>
+          <a:p>
+            <a:r>
+              <a:rPr lang="en-US" dirty="0"/>
+              <a:t>https://www.w3schools.com/js/js_variables.asp</a:t>
+            </a:r>
+            <a:endParaRPr lang="en-US" dirty="0"/>
           </a:p>
           <a:p>
             <a:endParaRPr lang="en-US" dirty="0"/>
@@ -4338,7 +6602,176 @@
     </p:spTree>
     <p:extLst>
       <p:ext uri="{BB962C8B-B14F-4D97-AF65-F5344CB8AC3E}">
-        <p14:creationId xmlns:p14="http://schemas.microsoft.com/office/powerpoint/2010/main" val="62631813"/>
+        <p14:creationId xmlns:p14="http://schemas.microsoft.com/office/powerpoint/2010/main" val="4202897750"/>
+      </p:ext>
+    </p:extLst>
+  </p:cSld>
+  <p:clrMapOvr>
+    <a:masterClrMapping/>
+  </p:clrMapOvr>
+  <p:timing>
+    <p:tnLst>
+      <p:par>
+        <p:cTn id="1" dur="indefinite" restart="never" nodeType="tmRoot"/>
+      </p:par>
+    </p:tnLst>
+  </p:timing>
+</p:sld>
+</file>
+
+<file path=ppt/slides/slide30.xml><?xml version="1.0" encoding="utf-8"?>
+<p:sld xmlns:a="http://schemas.openxmlformats.org/drawingml/2006/main" xmlns:r="http://schemas.openxmlformats.org/officeDocument/2006/relationships" xmlns:p="http://schemas.openxmlformats.org/presentationml/2006/main">
+  <p:cSld>
+    <p:spTree>
+      <p:nvGrpSpPr>
+        <p:cNvPr id="1" name=""/>
+        <p:cNvGrpSpPr/>
+        <p:nvPr/>
+      </p:nvGrpSpPr>
+      <p:grpSpPr>
+        <a:xfrm>
+          <a:off x="0" y="0"/>
+          <a:ext cx="0" cy="0"/>
+          <a:chOff x="0" y="0"/>
+          <a:chExt cx="0" cy="0"/>
+        </a:xfrm>
+      </p:grpSpPr>
+      <p:sp>
+        <p:nvSpPr>
+          <p:cNvPr id="2" name="Title 1"/>
+          <p:cNvSpPr>
+            <a:spLocks noGrp="1"/>
+          </p:cNvSpPr>
+          <p:nvPr>
+            <p:ph type="title"/>
+          </p:nvPr>
+        </p:nvSpPr>
+        <p:spPr/>
+        <p:txBody>
+          <a:bodyPr/>
+          <a:lstStyle/>
+          <a:p>
+            <a:r>
+              <a:rPr lang="en-US" dirty="0"/>
+              <a:t>Topic</a:t>
+            </a:r>
+          </a:p>
+        </p:txBody>
+      </p:sp>
+      <p:sp>
+        <p:nvSpPr>
+          <p:cNvPr id="3" name="Content Placeholder 2"/>
+          <p:cNvSpPr>
+            <a:spLocks noGrp="1"/>
+          </p:cNvSpPr>
+          <p:nvPr>
+            <p:ph idx="1"/>
+          </p:nvPr>
+        </p:nvSpPr>
+        <p:spPr/>
+        <p:txBody>
+          <a:bodyPr/>
+          <a:lstStyle/>
+          <a:p>
+            <a:endParaRPr lang="en-US" dirty="0"/>
+          </a:p>
+        </p:txBody>
+      </p:sp>
+    </p:spTree>
+    <p:extLst>
+      <p:ext uri="{BB962C8B-B14F-4D97-AF65-F5344CB8AC3E}">
+        <p14:creationId xmlns:p14="http://schemas.microsoft.com/office/powerpoint/2010/main" val="1806034106"/>
+      </p:ext>
+    </p:extLst>
+  </p:cSld>
+  <p:clrMapOvr>
+    <a:masterClrMapping/>
+  </p:clrMapOvr>
+  <p:timing>
+    <p:tnLst>
+      <p:par>
+        <p:cTn id="1" dur="indefinite" restart="never" nodeType="tmRoot"/>
+      </p:par>
+    </p:tnLst>
+  </p:timing>
+</p:sld>
+</file>
+
+<file path=ppt/slides/slide31.xml><?xml version="1.0" encoding="utf-8"?>
+<p:sld xmlns:a="http://schemas.openxmlformats.org/drawingml/2006/main" xmlns:r="http://schemas.openxmlformats.org/officeDocument/2006/relationships" xmlns:p="http://schemas.openxmlformats.org/presentationml/2006/main">
+  <p:cSld>
+    <p:spTree>
+      <p:nvGrpSpPr>
+        <p:cNvPr id="1" name=""/>
+        <p:cNvGrpSpPr/>
+        <p:nvPr/>
+      </p:nvGrpSpPr>
+      <p:grpSpPr>
+        <a:xfrm>
+          <a:off x="0" y="0"/>
+          <a:ext cx="0" cy="0"/>
+          <a:chOff x="0" y="0"/>
+          <a:chExt cx="0" cy="0"/>
+        </a:xfrm>
+      </p:grpSpPr>
+      <p:sp>
+        <p:nvSpPr>
+          <p:cNvPr id="2" name="Title 1"/>
+          <p:cNvSpPr>
+            <a:spLocks noGrp="1"/>
+          </p:cNvSpPr>
+          <p:nvPr>
+            <p:ph type="ctrTitle"/>
+          </p:nvPr>
+        </p:nvSpPr>
+        <p:spPr/>
+        <p:txBody>
+          <a:bodyPr/>
+          <a:lstStyle/>
+          <a:p>
+            <a:r>
+              <a:rPr lang="en-US" smtClean="0">
+                <a:sym typeface="Wingdings" panose="05000000000000000000" pitchFamily="2" charset="2"/>
+              </a:rPr>
+              <a:t> </a:t>
+            </a:r>
+            <a:r>
+              <a:rPr lang="en-US" smtClean="0"/>
+              <a:t>THANK YOU </a:t>
+            </a:r>
+            <a:r>
+              <a:rPr lang="en-US" smtClean="0">
+                <a:sym typeface="Wingdings" panose="05000000000000000000" pitchFamily="2" charset="2"/>
+              </a:rPr>
+              <a:t></a:t>
+            </a:r>
+            <a:endParaRPr lang="en-US" dirty="0"/>
+          </a:p>
+        </p:txBody>
+      </p:sp>
+      <p:sp>
+        <p:nvSpPr>
+          <p:cNvPr id="3" name="Subtitle 2"/>
+          <p:cNvSpPr>
+            <a:spLocks noGrp="1"/>
+          </p:cNvSpPr>
+          <p:nvPr>
+            <p:ph type="subTitle" idx="1"/>
+          </p:nvPr>
+        </p:nvSpPr>
+        <p:spPr/>
+        <p:txBody>
+          <a:bodyPr/>
+          <a:lstStyle/>
+          <a:p>
+            <a:endParaRPr lang="en-US"/>
+          </a:p>
+        </p:txBody>
+      </p:sp>
+    </p:spTree>
+    <p:extLst>
+      <p:ext uri="{BB962C8B-B14F-4D97-AF65-F5344CB8AC3E}">
+        <p14:creationId xmlns:p14="http://schemas.microsoft.com/office/powerpoint/2010/main" val="2867926711"/>
       </p:ext>
     </p:extLst>
   </p:cSld>
@@ -4382,14 +6815,128 @@
             <p:ph type="title"/>
           </p:nvPr>
         </p:nvSpPr>
-        <p:spPr/>
-        <p:txBody>
-          <a:bodyPr/>
-          <a:lstStyle/>
-          <a:p>
-            <a:r>
-              <a:rPr lang="en-US" dirty="0"/>
-              <a:t>Operators</a:t>
+        <p:spPr>
+          <a:xfrm>
+            <a:off x="838200" y="365125"/>
+            <a:ext cx="10515600" cy="1460500"/>
+          </a:xfrm>
+        </p:spPr>
+        <p:txBody>
+          <a:bodyPr>
+            <a:normAutofit/>
+          </a:bodyPr>
+          <a:lstStyle/>
+          <a:p>
+            <a:r>
+              <a:rPr lang="en-US" dirty="0" smtClean="0">
+                <a:solidFill>
+                  <a:prstClr val="black"/>
+                </a:solidFill>
+              </a:rPr>
+              <a:t>Data Types</a:t>
+            </a:r>
+            <a:r>
+              <a:rPr lang="en-US" sz="1800" dirty="0" smtClean="0">
+                <a:latin typeface="+mn-lt"/>
+                <a:ea typeface="+mn-ea"/>
+                <a:cs typeface="+mn-cs"/>
+              </a:rPr>
+              <a:t/>
+            </a:r>
+            <a:br>
+              <a:rPr lang="en-US" sz="1800" dirty="0" smtClean="0">
+                <a:latin typeface="+mn-lt"/>
+                <a:ea typeface="+mn-ea"/>
+                <a:cs typeface="+mn-cs"/>
+              </a:rPr>
+            </a:br>
+            <a:r>
+              <a:rPr lang="en-US" sz="1800" dirty="0" smtClean="0">
+                <a:latin typeface="+mn-lt"/>
+                <a:ea typeface="+mn-ea"/>
+                <a:cs typeface="+mn-cs"/>
+              </a:rPr>
+              <a:t> (The </a:t>
+            </a:r>
+            <a:r>
+              <a:rPr lang="en-US" sz="1800" dirty="0">
+                <a:latin typeface="+mn-lt"/>
+                <a:ea typeface="+mn-ea"/>
+                <a:cs typeface="+mn-cs"/>
+              </a:rPr>
+              <a:t>object data type can </a:t>
+            </a:r>
+            <a:r>
+              <a:rPr lang="en-US" sz="1800" dirty="0" smtClean="0">
+                <a:latin typeface="+mn-lt"/>
+                <a:ea typeface="+mn-ea"/>
+                <a:cs typeface="+mn-cs"/>
+              </a:rPr>
+              <a:t>contain: 1</a:t>
+            </a:r>
+            <a:r>
+              <a:rPr lang="en-US" sz="1800" dirty="0">
+                <a:latin typeface="+mn-lt"/>
+                <a:ea typeface="+mn-ea"/>
+                <a:cs typeface="+mn-cs"/>
+              </a:rPr>
+              <a:t>. An </a:t>
+            </a:r>
+            <a:r>
+              <a:rPr lang="en-US" sz="1800" dirty="0" smtClean="0">
+                <a:latin typeface="+mn-lt"/>
+                <a:ea typeface="+mn-ea"/>
+                <a:cs typeface="+mn-cs"/>
+              </a:rPr>
+              <a:t>object 2</a:t>
+            </a:r>
+            <a:r>
+              <a:rPr lang="en-US" sz="1800" dirty="0">
+                <a:latin typeface="+mn-lt"/>
+                <a:ea typeface="+mn-ea"/>
+                <a:cs typeface="+mn-cs"/>
+              </a:rPr>
+              <a:t>. An </a:t>
+            </a:r>
+            <a:r>
+              <a:rPr lang="en-US" sz="1800" dirty="0" smtClean="0">
+                <a:latin typeface="+mn-lt"/>
+                <a:ea typeface="+mn-ea"/>
+                <a:cs typeface="+mn-cs"/>
+              </a:rPr>
+              <a:t>array 3</a:t>
+            </a:r>
+            <a:r>
+              <a:rPr lang="en-US" sz="1800" dirty="0">
+                <a:latin typeface="+mn-lt"/>
+                <a:ea typeface="+mn-ea"/>
+                <a:cs typeface="+mn-cs"/>
+              </a:rPr>
+              <a:t>. </a:t>
+            </a:r>
+            <a:r>
+              <a:rPr lang="en-US" sz="1800" dirty="0">
+                <a:latin typeface="+mn-lt"/>
+                <a:ea typeface="+mn-ea"/>
+                <a:cs typeface="+mn-cs"/>
+              </a:rPr>
+              <a:t>A </a:t>
+            </a:r>
+            <a:r>
+              <a:rPr lang="en-US" sz="1800" dirty="0">
+                <a:latin typeface="+mn-lt"/>
+                <a:ea typeface="+mn-ea"/>
+                <a:cs typeface="+mn-cs"/>
+              </a:rPr>
+              <a:t>date</a:t>
+            </a:r>
+            <a:r>
+              <a:rPr lang="en-US" sz="1800" dirty="0">
+                <a:latin typeface="+mn-lt"/>
+                <a:ea typeface="+mn-ea"/>
+                <a:cs typeface="+mn-cs"/>
+              </a:rPr>
+              <a:t>)</a:t>
             </a:r>
           </a:p>
         </p:txBody>
@@ -4401,30 +6948,298 @@
             <a:spLocks noGrp="1"/>
           </p:cNvSpPr>
           <p:nvPr>
-            <p:ph idx="1"/>
-          </p:nvPr>
-        </p:nvSpPr>
-        <p:spPr/>
-        <p:txBody>
-          <a:bodyPr/>
-          <a:lstStyle/>
-          <a:p>
-            <a:r>
-              <a:rPr lang="en-US" dirty="0"/>
-              <a:t>Arithmetic,</a:t>
-            </a:r>
-          </a:p>
-          <a:p>
-            <a:r>
-              <a:rPr lang="en-US" dirty="0"/>
-              <a:t>Comparison,</a:t>
-            </a:r>
-          </a:p>
-          <a:p>
-            <a:r>
-              <a:rPr lang="en-US" dirty="0"/>
-              <a:t>Logical</a:t>
-            </a:r>
+            <p:ph sz="half" idx="1"/>
+          </p:nvPr>
+        </p:nvSpPr>
+        <p:spPr/>
+        <p:txBody>
+          <a:bodyPr>
+            <a:normAutofit fontScale="47500" lnSpcReduction="20000"/>
+          </a:bodyPr>
+          <a:lstStyle/>
+          <a:p>
+            <a:r>
+              <a:rPr lang="en-US" dirty="0">
+                <a:hlinkClick r:id="rId2"/>
+              </a:rPr>
+              <a:t>https://</a:t>
+            </a:r>
+            <a:r>
+              <a:rPr lang="en-US" dirty="0" smtClean="0">
+                <a:hlinkClick r:id="rId2"/>
+              </a:rPr>
+              <a:t>www.w3schools.com/js/js_datatypes.asp</a:t>
+            </a:r>
+            <a:endParaRPr lang="en-US" dirty="0" smtClean="0"/>
+          </a:p>
+          <a:p>
+            <a:r>
+              <a:rPr lang="en-US" dirty="0" smtClean="0"/>
+              <a:t>Primitive </a:t>
+            </a:r>
+            <a:r>
+              <a:rPr lang="en-US" dirty="0"/>
+              <a:t>datatypes, </a:t>
+            </a:r>
+          </a:p>
+          <a:p>
+            <a:r>
+              <a:rPr lang="en-US" dirty="0"/>
+              <a:t>Composite/non - primitive datatypes,</a:t>
+            </a:r>
+          </a:p>
+          <a:p>
+            <a:r>
+              <a:rPr lang="en-US" dirty="0"/>
+              <a:t>String,</a:t>
+            </a:r>
+          </a:p>
+          <a:p>
+            <a:r>
+              <a:rPr lang="en-US" dirty="0"/>
+              <a:t>Number</a:t>
+            </a:r>
+            <a:r>
+              <a:rPr lang="en-US" dirty="0" smtClean="0"/>
+              <a:t>,</a:t>
+            </a:r>
+          </a:p>
+          <a:p>
+            <a:r>
+              <a:rPr lang="en-US" dirty="0" err="1" smtClean="0"/>
+              <a:t>Bigint</a:t>
+            </a:r>
+            <a:r>
+              <a:rPr lang="en-US" dirty="0" smtClean="0"/>
+              <a:t>,</a:t>
+            </a:r>
+            <a:endParaRPr lang="en-US" dirty="0"/>
+          </a:p>
+          <a:p>
+            <a:r>
+              <a:rPr lang="en-US" dirty="0"/>
+              <a:t>Boolean,</a:t>
+            </a:r>
+          </a:p>
+          <a:p>
+            <a:r>
+              <a:rPr lang="en-US" dirty="0"/>
+              <a:t>Arrays</a:t>
+            </a:r>
+            <a:r>
+              <a:rPr lang="en-US" dirty="0" smtClean="0"/>
+              <a:t>,</a:t>
+            </a:r>
+          </a:p>
+          <a:p>
+            <a:r>
+              <a:rPr lang="en-US" dirty="0"/>
+              <a:t>JavaScript </a:t>
+            </a:r>
+            <a:r>
+              <a:rPr lang="en-US" dirty="0" smtClean="0"/>
+              <a:t>Date</a:t>
+            </a:r>
+            <a:endParaRPr lang="en-US" dirty="0"/>
+          </a:p>
+          <a:p>
+            <a:r>
+              <a:rPr lang="en-US" dirty="0" smtClean="0"/>
+              <a:t>Objects (Number, Boolean, Strings, Arrays, Date, Math, </a:t>
+            </a:r>
+            <a:r>
+              <a:rPr lang="en-US" dirty="0" err="1" smtClean="0"/>
+              <a:t>RegEx</a:t>
+            </a:r>
+            <a:r>
+              <a:rPr lang="en-US" dirty="0" smtClean="0"/>
+              <a:t>, HTML DOM),</a:t>
+            </a:r>
+            <a:endParaRPr lang="en-US" dirty="0"/>
+          </a:p>
+          <a:p>
+            <a:r>
+              <a:rPr lang="en-US" dirty="0"/>
+              <a:t>Function,</a:t>
+            </a:r>
+          </a:p>
+          <a:p>
+            <a:r>
+              <a:rPr lang="en-US" dirty="0"/>
+              <a:t>Iterating over arrays (e.g., </a:t>
+            </a:r>
+            <a:r>
+              <a:rPr lang="en-US" dirty="0" err="1"/>
+              <a:t>forEach</a:t>
+            </a:r>
+            <a:r>
+              <a:rPr lang="en-US" dirty="0"/>
+              <a:t>, map, filter),</a:t>
+            </a:r>
+          </a:p>
+          <a:p>
+            <a:r>
+              <a:rPr lang="en-US" dirty="0"/>
+              <a:t>Modifying arrays (e.g., push, pop, splice),</a:t>
+            </a:r>
+          </a:p>
+          <a:p>
+            <a:r>
+              <a:rPr lang="en-US" dirty="0"/>
+              <a:t>Array DE-structuring,</a:t>
+            </a:r>
+          </a:p>
+          <a:p>
+            <a:r>
+              <a:rPr lang="en-US" dirty="0"/>
+              <a:t>Creating objects,</a:t>
+            </a:r>
+          </a:p>
+          <a:p>
+            <a:endParaRPr lang="en-US" dirty="0"/>
+          </a:p>
+        </p:txBody>
+      </p:sp>
+      <p:sp>
+        <p:nvSpPr>
+          <p:cNvPr id="4" name="Content Placeholder 3"/>
+          <p:cNvSpPr>
+            <a:spLocks noGrp="1"/>
+          </p:cNvSpPr>
+          <p:nvPr>
+            <p:ph sz="half" idx="2"/>
+          </p:nvPr>
+        </p:nvSpPr>
+        <p:spPr/>
+        <p:txBody>
+          <a:bodyPr>
+            <a:normAutofit fontScale="47500" lnSpcReduction="20000"/>
+          </a:bodyPr>
+          <a:lstStyle/>
+          <a:p>
+            <a:r>
+              <a:rPr lang="en-US" dirty="0"/>
+              <a:t>Accessing and modifying object properties,</a:t>
+            </a:r>
+          </a:p>
+          <a:p>
+            <a:r>
+              <a:rPr lang="en-US" dirty="0"/>
+              <a:t>Object methods,</a:t>
+            </a:r>
+          </a:p>
+          <a:p>
+            <a:r>
+              <a:rPr lang="en-US" dirty="0"/>
+              <a:t>Prototypes and inheritance,</a:t>
+            </a:r>
+          </a:p>
+          <a:p>
+            <a:r>
+              <a:rPr lang="en-US" dirty="0"/>
+              <a:t>ES6 Classes,</a:t>
+            </a:r>
+          </a:p>
+          <a:p>
+            <a:r>
+              <a:rPr lang="en-US" dirty="0"/>
+              <a:t>Null,</a:t>
+            </a:r>
+          </a:p>
+          <a:p>
+            <a:r>
+              <a:rPr lang="en-US" dirty="0"/>
+              <a:t>Undefined,</a:t>
+            </a:r>
+          </a:p>
+          <a:p>
+            <a:r>
+              <a:rPr lang="en-US" dirty="0"/>
+              <a:t>Symbol (ES6)</a:t>
+            </a:r>
+          </a:p>
+          <a:p>
+            <a:r>
+              <a:rPr lang="en-US" dirty="0">
+                <a:hlinkClick r:id="rId2"/>
+              </a:rPr>
+              <a:t>https://</a:t>
+            </a:r>
+            <a:r>
+              <a:rPr lang="en-US" dirty="0" smtClean="0">
+                <a:hlinkClick r:id="rId2"/>
+              </a:rPr>
+              <a:t>www.w3schools.com/js/js_datatypes.asp</a:t>
+            </a:r>
+            <a:endParaRPr lang="en-US" dirty="0" smtClean="0"/>
+          </a:p>
+          <a:p>
+            <a:r>
+              <a:rPr lang="en-US" dirty="0"/>
+              <a:t>Sets</a:t>
+            </a:r>
+          </a:p>
+          <a:p>
+            <a:r>
+              <a:rPr lang="en-US" dirty="0" smtClean="0"/>
+              <a:t>Maps, </a:t>
+            </a:r>
+            <a:r>
+              <a:rPr lang="en-US" dirty="0"/>
+              <a:t>Math , Random</a:t>
+            </a:r>
+            <a:r>
+              <a:rPr lang="en-US" dirty="0" smtClean="0"/>
+              <a:t>,</a:t>
+            </a:r>
+          </a:p>
+          <a:p>
+            <a:r>
+              <a:rPr lang="en-US" dirty="0" err="1"/>
+              <a:t>typeof</a:t>
+            </a:r>
+            <a:endParaRPr lang="en-US" dirty="0"/>
+          </a:p>
+          <a:p>
+            <a:r>
+              <a:rPr lang="en-US" dirty="0"/>
+              <a:t>JavaScript Type </a:t>
+            </a:r>
+            <a:r>
+              <a:rPr lang="en-US" dirty="0" smtClean="0"/>
+              <a:t>Conversion</a:t>
+            </a:r>
+          </a:p>
+          <a:p>
+            <a:r>
+              <a:rPr lang="en-US" dirty="0"/>
+              <a:t>What is </a:t>
+            </a:r>
+            <a:r>
+              <a:rPr lang="en-US" b="1" dirty="0" smtClean="0"/>
+              <a:t>this,</a:t>
+            </a:r>
+          </a:p>
+          <a:p>
+            <a:r>
+              <a:rPr lang="en-US" dirty="0"/>
+              <a:t>JavaScript Classes</a:t>
+            </a:r>
+          </a:p>
+          <a:p>
+            <a:r>
+              <a:rPr lang="en-US" dirty="0"/>
+              <a:t>Modules</a:t>
+            </a:r>
+          </a:p>
+          <a:p>
+            <a:endParaRPr lang="en-US" b="1" dirty="0" smtClean="0"/>
+          </a:p>
+          <a:p>
+            <a:endParaRPr lang="en-US" dirty="0"/>
+          </a:p>
+          <a:p>
+            <a:endParaRPr lang="en-US" dirty="0"/>
           </a:p>
           <a:p>
             <a:endParaRPr lang="en-US" dirty="0"/>
@@ -4434,7 +7249,7 @@
     </p:spTree>
     <p:extLst>
       <p:ext uri="{BB962C8B-B14F-4D97-AF65-F5344CB8AC3E}">
-        <p14:creationId xmlns:p14="http://schemas.microsoft.com/office/powerpoint/2010/main" val="2299100470"/>
+        <p14:creationId xmlns:p14="http://schemas.microsoft.com/office/powerpoint/2010/main" val="1574388741"/>
       </p:ext>
     </p:extLst>
   </p:cSld>
@@ -4484,9 +7299,10 @@
           <a:lstStyle/>
           <a:p>
             <a:r>
-              <a:rPr lang="en-US" dirty="0"/>
-              <a:t>Control Flow</a:t>
-            </a:r>
+              <a:rPr lang="en-US" dirty="0" smtClean="0"/>
+              <a:t>Objects</a:t>
+            </a:r>
+            <a:endParaRPr lang="en-US" dirty="0"/>
           </a:p>
         </p:txBody>
       </p:sp>
@@ -4497,29 +7313,244 @@
             <a:spLocks noGrp="1"/>
           </p:cNvSpPr>
           <p:nvPr>
-            <p:ph idx="1"/>
-          </p:nvPr>
-        </p:nvSpPr>
-        <p:spPr/>
-        <p:txBody>
-          <a:bodyPr/>
-          <a:lstStyle/>
-          <a:p>
-            <a:r>
-              <a:rPr lang="en-US" dirty="0"/>
-              <a:t>Conditional statements (if, else, else if),</a:t>
-            </a:r>
-          </a:p>
-          <a:p>
-            <a:r>
-              <a:rPr lang="en-US" dirty="0"/>
-              <a:t>Loops (for, while, do...while),</a:t>
-            </a:r>
-          </a:p>
-          <a:p>
-            <a:r>
-              <a:rPr lang="en-US" dirty="0"/>
-              <a:t>Switch statements</a:t>
+            <p:ph sz="half" idx="1"/>
+          </p:nvPr>
+        </p:nvSpPr>
+        <p:spPr/>
+        <p:txBody>
+          <a:bodyPr>
+            <a:normAutofit fontScale="70000" lnSpcReduction="20000"/>
+          </a:bodyPr>
+          <a:lstStyle/>
+          <a:p>
+            <a:r>
+              <a:rPr lang="en-US" b="1" u="sng" dirty="0" smtClean="0">
+                <a:hlinkClick r:id="rId2"/>
+              </a:rPr>
+              <a:t>Object</a:t>
+            </a:r>
+            <a:endParaRPr lang="en-US" b="1" u="sng" dirty="0" smtClean="0"/>
+          </a:p>
+          <a:p>
+            <a:r>
+              <a:rPr lang="en-US" b="1" u="sng" dirty="0" smtClean="0">
+                <a:hlinkClick r:id="rId3"/>
+              </a:rPr>
+              <a:t>Classes</a:t>
+            </a:r>
+            <a:endParaRPr lang="en-US" b="1" u="sng" dirty="0" smtClean="0"/>
+          </a:p>
+          <a:p>
+            <a:r>
+              <a:rPr lang="en-US" b="1" u="sng" dirty="0" smtClean="0">
+                <a:hlinkClick r:id="rId4"/>
+              </a:rPr>
+              <a:t>Inheritance</a:t>
+            </a:r>
+            <a:endParaRPr lang="en-US" b="1" u="sng" dirty="0" smtClean="0"/>
+          </a:p>
+          <a:p>
+            <a:r>
+              <a:rPr lang="en-US" b="1" u="sng" dirty="0" smtClean="0">
+                <a:hlinkClick r:id="rId5"/>
+              </a:rPr>
+              <a:t>Polymorphism</a:t>
+            </a:r>
+            <a:endParaRPr lang="en-US" b="1" u="sng" dirty="0" smtClean="0"/>
+          </a:p>
+          <a:p>
+            <a:r>
+              <a:rPr lang="en-US" b="1" dirty="0" smtClean="0"/>
+              <a:t>Abstraction</a:t>
+            </a:r>
+          </a:p>
+          <a:p>
+            <a:r>
+              <a:rPr lang="en-US" b="1" dirty="0" smtClean="0"/>
+              <a:t>Encapsulation</a:t>
+            </a:r>
+          </a:p>
+          <a:p>
+            <a:r>
+              <a:rPr lang="en-US" b="1" dirty="0" smtClean="0"/>
+              <a:t>--------------------------------</a:t>
+            </a:r>
+          </a:p>
+          <a:p>
+            <a:pPr fontAlgn="base"/>
+            <a:r>
+              <a:rPr lang="en-US" u="sng" dirty="0">
+                <a:hlinkClick r:id="rId6"/>
+              </a:rPr>
+              <a:t>Creating object with a constructor</a:t>
+            </a:r>
+            <a:endParaRPr lang="en-US" dirty="0"/>
+          </a:p>
+          <a:p>
+            <a:pPr fontAlgn="base"/>
+            <a:r>
+              <a:rPr lang="en-US" u="sng" dirty="0">
+                <a:hlinkClick r:id="rId7"/>
+              </a:rPr>
+              <a:t>Using object literals</a:t>
+            </a:r>
+            <a:endParaRPr lang="en-US" dirty="0"/>
+          </a:p>
+          <a:p>
+            <a:pPr fontAlgn="base"/>
+            <a:r>
+              <a:rPr lang="en-US" u="sng" dirty="0">
+                <a:hlinkClick r:id="rId8"/>
+              </a:rPr>
+              <a:t>Creating object with </a:t>
+            </a:r>
+            <a:r>
+              <a:rPr lang="en-US" u="sng" dirty="0" err="1">
+                <a:hlinkClick r:id="rId8"/>
+              </a:rPr>
+              <a:t>Object.create</a:t>
+            </a:r>
+            <a:r>
+              <a:rPr lang="en-US" u="sng" dirty="0">
+                <a:hlinkClick r:id="rId8"/>
+              </a:rPr>
+              <a:t>() method</a:t>
+            </a:r>
+            <a:endParaRPr lang="en-US" dirty="0"/>
+          </a:p>
+          <a:p>
+            <a:pPr fontAlgn="base"/>
+            <a:r>
+              <a:rPr lang="en-US" u="sng" dirty="0">
+                <a:hlinkClick r:id="rId9"/>
+              </a:rPr>
+              <a:t>Using es6 classes</a:t>
+            </a:r>
+            <a:endParaRPr lang="en-US" dirty="0"/>
+          </a:p>
+          <a:p>
+            <a:r>
+              <a:rPr lang="en-US" b="1" dirty="0"/>
+              <a:t>Object Methods</a:t>
+            </a:r>
+            <a:endParaRPr lang="en-US" dirty="0"/>
+          </a:p>
+        </p:txBody>
+      </p:sp>
+      <p:sp>
+        <p:nvSpPr>
+          <p:cNvPr id="4" name="Content Placeholder 3"/>
+          <p:cNvSpPr>
+            <a:spLocks noGrp="1"/>
+          </p:cNvSpPr>
+          <p:nvPr>
+            <p:ph sz="half" idx="2"/>
+          </p:nvPr>
+        </p:nvSpPr>
+        <p:spPr/>
+        <p:txBody>
+          <a:bodyPr>
+            <a:normAutofit fontScale="70000" lnSpcReduction="20000"/>
+          </a:bodyPr>
+          <a:lstStyle/>
+          <a:p>
+            <a:r>
+              <a:rPr lang="en-US" b="1" dirty="0"/>
+              <a:t>Built-In Objects</a:t>
+            </a:r>
+            <a:r>
+              <a:rPr lang="en-US" b="1" dirty="0" smtClean="0"/>
+              <a:t>:</a:t>
+            </a:r>
+          </a:p>
+          <a:p>
+            <a:endParaRPr lang="en-US" b="1" dirty="0"/>
+          </a:p>
+          <a:p>
+            <a:pPr fontAlgn="base"/>
+            <a:r>
+              <a:rPr lang="en-US" u="sng" dirty="0">
+                <a:hlinkClick r:id="rId10"/>
+              </a:rPr>
+              <a:t>String</a:t>
+            </a:r>
+            <a:endParaRPr lang="en-US" dirty="0"/>
+          </a:p>
+          <a:p>
+            <a:pPr fontAlgn="base"/>
+            <a:r>
+              <a:rPr lang="en-US" u="sng" dirty="0">
+                <a:hlinkClick r:id="rId11"/>
+              </a:rPr>
+              <a:t>Number</a:t>
+            </a:r>
+            <a:endParaRPr lang="en-US" dirty="0"/>
+          </a:p>
+          <a:p>
+            <a:pPr fontAlgn="base"/>
+            <a:r>
+              <a:rPr lang="en-US" u="sng" dirty="0">
+                <a:hlinkClick r:id="rId12"/>
+              </a:rPr>
+              <a:t>Boolean</a:t>
+            </a:r>
+            <a:endParaRPr lang="en-US" dirty="0"/>
+          </a:p>
+          <a:p>
+            <a:pPr fontAlgn="base"/>
+            <a:r>
+              <a:rPr lang="en-US" u="sng" dirty="0">
+                <a:hlinkClick r:id="rId2"/>
+              </a:rPr>
+              <a:t>Object</a:t>
+            </a:r>
+            <a:endParaRPr lang="en-US" dirty="0"/>
+          </a:p>
+          <a:p>
+            <a:pPr fontAlgn="base"/>
+            <a:r>
+              <a:rPr lang="en-US" u="sng" dirty="0">
+                <a:hlinkClick r:id="rId13"/>
+              </a:rPr>
+              <a:t>Function</a:t>
+            </a:r>
+            <a:endParaRPr lang="en-US" dirty="0"/>
+          </a:p>
+          <a:p>
+            <a:pPr fontAlgn="base"/>
+            <a:r>
+              <a:rPr lang="en-US" u="sng" dirty="0">
+                <a:hlinkClick r:id="rId14"/>
+              </a:rPr>
+              <a:t>Array</a:t>
+            </a:r>
+            <a:endParaRPr lang="en-US" dirty="0"/>
+          </a:p>
+          <a:p>
+            <a:pPr fontAlgn="base"/>
+            <a:r>
+              <a:rPr lang="en-US" u="sng" dirty="0">
+                <a:hlinkClick r:id="rId15"/>
+              </a:rPr>
+              <a:t>Date</a:t>
+            </a:r>
+            <a:endParaRPr lang="en-US" dirty="0"/>
+          </a:p>
+          <a:p>
+            <a:pPr fontAlgn="base"/>
+            <a:r>
+              <a:rPr lang="en-US" u="sng" dirty="0" err="1">
+                <a:hlinkClick r:id="rId16"/>
+              </a:rPr>
+              <a:t>RegExp</a:t>
+            </a:r>
+            <a:endParaRPr lang="en-US" dirty="0"/>
+          </a:p>
+          <a:p>
+            <a:pPr fontAlgn="base"/>
+            <a:r>
+              <a:rPr lang="en-US" dirty="0"/>
+              <a:t>Error</a:t>
             </a:r>
           </a:p>
           <a:p>
@@ -4530,7 +7561,7 @@
     </p:spTree>
     <p:extLst>
       <p:ext uri="{BB962C8B-B14F-4D97-AF65-F5344CB8AC3E}">
-        <p14:creationId xmlns:p14="http://schemas.microsoft.com/office/powerpoint/2010/main" val="2278968264"/>
+        <p14:creationId xmlns:p14="http://schemas.microsoft.com/office/powerpoint/2010/main" val="1401252034"/>
       </p:ext>
     </p:extLst>
   </p:cSld>
@@ -4581,7 +7612,7 @@
           <a:p>
             <a:r>
               <a:rPr lang="en-US" dirty="0"/>
-              <a:t>Functions</a:t>
+              <a:t>Operators</a:t>
             </a:r>
           </a:p>
         </p:txBody>
@@ -4593,70 +7624,257 @@
             <a:spLocks noGrp="1"/>
           </p:cNvSpPr>
           <p:nvPr>
-            <p:ph idx="1"/>
+            <p:ph sz="half" idx="1"/>
           </p:nvPr>
         </p:nvSpPr>
         <p:spPr/>
         <p:txBody>
           <a:bodyPr>
-            <a:normAutofit fontScale="92500" lnSpcReduction="10000"/>
+            <a:normAutofit fontScale="62500" lnSpcReduction="20000"/>
           </a:bodyPr>
           <a:lstStyle/>
           <a:p>
-            <a:r>
-              <a:rPr lang="en-US" dirty="0"/>
-              <a:t>Declaring functions,</a:t>
-            </a:r>
-          </a:p>
-          <a:p>
-            <a:r>
-              <a:rPr lang="en-US" dirty="0"/>
-              <a:t>Function expressions vs. function declarations,</a:t>
-            </a:r>
-          </a:p>
-          <a:p>
-            <a:r>
-              <a:rPr lang="en-US" dirty="0"/>
-              <a:t>Arrow functions,</a:t>
-            </a:r>
-          </a:p>
-          <a:p>
-            <a:r>
-              <a:rPr lang="en-US" dirty="0"/>
-              <a:t>Higher-order functions,</a:t>
-            </a:r>
-          </a:p>
-          <a:p>
-            <a:r>
-              <a:rPr lang="en-US" dirty="0"/>
-              <a:t>Closures,</a:t>
-            </a:r>
-          </a:p>
-          <a:p>
-            <a:r>
-              <a:rPr lang="en-US" dirty="0"/>
-              <a:t>Asynchronous JavaScript: Callbacks, Promises, </a:t>
-            </a:r>
-            <a:r>
-              <a:rPr lang="en-US" dirty="0" err="1"/>
-              <a:t>async</a:t>
-            </a:r>
-            <a:r>
-              <a:rPr lang="en-US" dirty="0"/>
-              <a:t>/await, Error handling in asynchronous code,</a:t>
-            </a:r>
-          </a:p>
-          <a:p>
-            <a:r>
-              <a:rPr lang="en-US" dirty="0"/>
-              <a:t>Functional Programming: Higher-order functions, Pure functions, Immutability,</a:t>
-            </a:r>
-          </a:p>
-          <a:p>
-            <a:r>
-              <a:rPr lang="en-US" dirty="0"/>
-              <a:t>First-class citizens</a:t>
-            </a:r>
+            <a:pPr fontAlgn="base"/>
+            <a:r>
+              <a:rPr lang="en-US" u="sng" dirty="0">
+                <a:hlinkClick r:id="rId2"/>
+              </a:rPr>
+              <a:t>JavaScript Arithmetic Operators</a:t>
+            </a:r>
+            <a:endParaRPr lang="en-US" dirty="0"/>
+          </a:p>
+          <a:p>
+            <a:pPr fontAlgn="base"/>
+            <a:r>
+              <a:rPr lang="en-US" u="sng" dirty="0">
+                <a:hlinkClick r:id="rId3"/>
+              </a:rPr>
+              <a:t>JavaScript Assignment Operators</a:t>
+            </a:r>
+            <a:endParaRPr lang="en-US" dirty="0"/>
+          </a:p>
+          <a:p>
+            <a:pPr fontAlgn="base"/>
+            <a:r>
+              <a:rPr lang="en-US" u="sng" dirty="0">
+                <a:hlinkClick r:id="rId4"/>
+              </a:rPr>
+              <a:t>JavaScript Comparison Operators</a:t>
+            </a:r>
+            <a:endParaRPr lang="en-US" dirty="0"/>
+          </a:p>
+          <a:p>
+            <a:pPr fontAlgn="base"/>
+            <a:r>
+              <a:rPr lang="en-US" u="sng" dirty="0">
+                <a:hlinkClick r:id="rId5"/>
+              </a:rPr>
+              <a:t>JavaScript Logical Operators</a:t>
+            </a:r>
+            <a:endParaRPr lang="en-US" dirty="0"/>
+          </a:p>
+          <a:p>
+            <a:pPr fontAlgn="base"/>
+            <a:r>
+              <a:rPr lang="en-US" u="sng" dirty="0">
+                <a:hlinkClick r:id="rId6"/>
+              </a:rPr>
+              <a:t>JavaScript Bitwise Operators</a:t>
+            </a:r>
+            <a:endParaRPr lang="en-US" dirty="0"/>
+          </a:p>
+          <a:p>
+            <a:pPr fontAlgn="base"/>
+            <a:r>
+              <a:rPr lang="en-US" u="sng" dirty="0">
+                <a:hlinkClick r:id="rId7"/>
+              </a:rPr>
+              <a:t>JavaScript Ternary Operators</a:t>
+            </a:r>
+            <a:endParaRPr lang="en-US" dirty="0"/>
+          </a:p>
+          <a:p>
+            <a:pPr fontAlgn="base"/>
+            <a:r>
+              <a:rPr lang="en-US" u="sng" dirty="0">
+                <a:hlinkClick r:id="rId8"/>
+              </a:rPr>
+              <a:t>JavaScript Comma Operators</a:t>
+            </a:r>
+            <a:endParaRPr lang="en-US" dirty="0"/>
+          </a:p>
+          <a:p>
+            <a:pPr fontAlgn="base"/>
+            <a:r>
+              <a:rPr lang="en-US" u="sng" dirty="0">
+                <a:hlinkClick r:id="rId9"/>
+              </a:rPr>
+              <a:t>JavaScript Unary Operators</a:t>
+            </a:r>
+            <a:endParaRPr lang="en-US" dirty="0"/>
+          </a:p>
+          <a:p>
+            <a:pPr fontAlgn="base"/>
+            <a:r>
+              <a:rPr lang="en-US" u="sng" dirty="0">
+                <a:hlinkClick r:id="rId10"/>
+              </a:rPr>
+              <a:t>JavaScript Relational Operators</a:t>
+            </a:r>
+            <a:endParaRPr lang="en-US" dirty="0"/>
+          </a:p>
+          <a:p>
+            <a:pPr fontAlgn="base"/>
+            <a:r>
+              <a:rPr lang="en-US" u="sng" dirty="0">
+                <a:hlinkClick r:id="rId11"/>
+              </a:rPr>
+              <a:t>JavaScript </a:t>
+            </a:r>
+            <a:r>
+              <a:rPr lang="en-US" u="sng" dirty="0" err="1">
+                <a:hlinkClick r:id="rId11"/>
+              </a:rPr>
+              <a:t>BigInt</a:t>
+            </a:r>
+            <a:r>
+              <a:rPr lang="en-US" u="sng" dirty="0">
+                <a:hlinkClick r:id="rId11"/>
+              </a:rPr>
+              <a:t> Operators</a:t>
+            </a:r>
+            <a:endParaRPr lang="en-US" dirty="0"/>
+          </a:p>
+          <a:p>
+            <a:pPr fontAlgn="base"/>
+            <a:r>
+              <a:rPr lang="en-US" u="sng" dirty="0">
+                <a:hlinkClick r:id="rId12"/>
+              </a:rPr>
+              <a:t>JavaScript String Operators</a:t>
+            </a:r>
+            <a:endParaRPr lang="en-US" dirty="0"/>
+          </a:p>
+          <a:p>
+            <a:endParaRPr lang="en-US" dirty="0"/>
+          </a:p>
+        </p:txBody>
+      </p:sp>
+      <p:sp>
+        <p:nvSpPr>
+          <p:cNvPr id="4" name="Content Placeholder 3"/>
+          <p:cNvSpPr>
+            <a:spLocks noGrp="1"/>
+          </p:cNvSpPr>
+          <p:nvPr>
+            <p:ph sz="half" idx="2"/>
+          </p:nvPr>
+        </p:nvSpPr>
+        <p:spPr/>
+        <p:txBody>
+          <a:bodyPr>
+            <a:normAutofit fontScale="62500" lnSpcReduction="20000"/>
+          </a:bodyPr>
+          <a:lstStyle/>
+          <a:p>
+            <a:r>
+              <a:rPr lang="en-US" dirty="0">
+                <a:hlinkClick r:id="rId13"/>
+              </a:rPr>
+              <a:t>https://www.w3schools.com/js/js_operators.asp</a:t>
+            </a:r>
+            <a:endParaRPr lang="en-US" dirty="0"/>
+          </a:p>
+          <a:p>
+            <a:r>
+              <a:rPr lang="en-US" dirty="0">
+                <a:hlinkClick r:id="rId14"/>
+              </a:rPr>
+              <a:t>https://</a:t>
+            </a:r>
+            <a:r>
+              <a:rPr lang="en-US" dirty="0" smtClean="0">
+                <a:hlinkClick r:id="rId14"/>
+              </a:rPr>
+              <a:t>www.w3schools.com/js/js_comparisons.asp</a:t>
+            </a:r>
+            <a:endParaRPr lang="en-US" dirty="0" smtClean="0"/>
+          </a:p>
+          <a:p>
+            <a:r>
+              <a:rPr lang="en-US" b="1" dirty="0"/>
+              <a:t>Operator precedence</a:t>
+            </a:r>
+          </a:p>
+          <a:p>
+            <a:r>
+              <a:rPr lang="en-US" b="1" dirty="0"/>
+              <a:t>Ternary </a:t>
+            </a:r>
+          </a:p>
+          <a:p>
+            <a:r>
+              <a:rPr lang="en-US" b="1" dirty="0" err="1" smtClean="0"/>
+              <a:t>typeof</a:t>
+            </a:r>
+            <a:r>
+              <a:rPr lang="en-US" b="1" dirty="0"/>
+              <a:t> </a:t>
+            </a:r>
+            <a:endParaRPr lang="en-US" b="1" dirty="0" smtClean="0"/>
+          </a:p>
+          <a:p>
+            <a:r>
+              <a:rPr lang="en-US" b="1" dirty="0"/>
+              <a:t>yield </a:t>
+            </a:r>
+          </a:p>
+          <a:p>
+            <a:r>
+              <a:rPr lang="en-US" b="1" dirty="0"/>
+              <a:t>delete </a:t>
+            </a:r>
+          </a:p>
+          <a:p>
+            <a:r>
+              <a:rPr lang="en-US" b="1" dirty="0"/>
+              <a:t>Comma </a:t>
+            </a:r>
+          </a:p>
+          <a:p>
+            <a:r>
+              <a:rPr lang="en-US" b="1" dirty="0"/>
+              <a:t>Pipeline </a:t>
+            </a:r>
+          </a:p>
+          <a:p>
+            <a:r>
+              <a:rPr lang="en-US" b="1" dirty="0"/>
+              <a:t>in </a:t>
+            </a:r>
+          </a:p>
+          <a:p>
+            <a:r>
+              <a:rPr lang="en-US" b="1" dirty="0"/>
+              <a:t>Grouping </a:t>
+            </a:r>
+          </a:p>
+          <a:p>
+            <a:r>
+              <a:rPr lang="en-US" b="1" dirty="0"/>
+              <a:t>Short </a:t>
+            </a:r>
+            <a:r>
+              <a:rPr lang="en-US" b="1" dirty="0" smtClean="0"/>
+              <a:t>Circuiting (&amp;&amp;,||)</a:t>
+            </a:r>
+            <a:endParaRPr lang="en-US" b="1" dirty="0"/>
+          </a:p>
+          <a:p>
+            <a:endParaRPr lang="en-US" b="1" dirty="0"/>
+          </a:p>
+          <a:p>
+            <a:endParaRPr lang="en-US" dirty="0"/>
           </a:p>
           <a:p>
             <a:endParaRPr lang="en-US" dirty="0"/>
@@ -4666,7 +7884,7 @@
     </p:spTree>
     <p:extLst>
       <p:ext uri="{BB962C8B-B14F-4D97-AF65-F5344CB8AC3E}">
-        <p14:creationId xmlns:p14="http://schemas.microsoft.com/office/powerpoint/2010/main" val="584963930"/>
+        <p14:creationId xmlns:p14="http://schemas.microsoft.com/office/powerpoint/2010/main" val="2286032843"/>
       </p:ext>
     </p:extLst>
   </p:cSld>
@@ -4717,7 +7935,7 @@
           <a:p>
             <a:r>
               <a:rPr lang="en-US" dirty="0"/>
-              <a:t>DOM Manipulation</a:t>
+              <a:t>Control Flow</a:t>
             </a:r>
           </a:p>
         </p:txBody>
@@ -4729,42 +7947,137 @@
             <a:spLocks noGrp="1"/>
           </p:cNvSpPr>
           <p:nvPr>
-            <p:ph idx="1"/>
-          </p:nvPr>
-        </p:nvSpPr>
-        <p:spPr/>
-        <p:txBody>
-          <a:bodyPr/>
-          <a:lstStyle/>
-          <a:p>
-            <a:r>
-              <a:rPr lang="en-US" dirty="0"/>
-              <a:t>Selecting elements,</a:t>
-            </a:r>
-          </a:p>
-          <a:p>
-            <a:r>
-              <a:rPr lang="en-US" dirty="0"/>
-              <a:t>Modifying element content,</a:t>
-            </a:r>
-          </a:p>
-          <a:p>
-            <a:r>
-              <a:rPr lang="en-US" dirty="0"/>
-              <a:t>attributes, and styles,</a:t>
-            </a:r>
-          </a:p>
-          <a:p>
-            <a:r>
-              <a:rPr lang="en-US" dirty="0"/>
-              <a:t>Event handling,</a:t>
-            </a:r>
-          </a:p>
-          <a:p>
-            <a:r>
-              <a:rPr lang="en-US" dirty="0"/>
-              <a:t>Creating and removing elements</a:t>
-            </a:r>
+            <p:ph sz="half" idx="1"/>
+          </p:nvPr>
+        </p:nvSpPr>
+        <p:spPr/>
+        <p:txBody>
+          <a:bodyPr/>
+          <a:lstStyle/>
+          <a:p>
+            <a:r>
+              <a:rPr lang="en-US" dirty="0"/>
+              <a:t>Conditional statements (if, else, else if),</a:t>
+            </a:r>
+          </a:p>
+          <a:p>
+            <a:r>
+              <a:rPr lang="en-US" dirty="0"/>
+              <a:t> Switch statements</a:t>
+            </a:r>
+          </a:p>
+          <a:p>
+            <a:r>
+              <a:rPr lang="en-US" dirty="0"/>
+              <a:t>JavaScript Break and Continue</a:t>
+            </a:r>
+          </a:p>
+          <a:p>
+            <a:endParaRPr lang="en-US" dirty="0"/>
+          </a:p>
+        </p:txBody>
+      </p:sp>
+      <p:sp>
+        <p:nvSpPr>
+          <p:cNvPr id="4" name="Content Placeholder 3"/>
+          <p:cNvSpPr>
+            <a:spLocks noGrp="1"/>
+          </p:cNvSpPr>
+          <p:nvPr>
+            <p:ph sz="half" idx="2"/>
+          </p:nvPr>
+        </p:nvSpPr>
+        <p:spPr/>
+        <p:txBody>
+          <a:bodyPr/>
+          <a:lstStyle/>
+          <a:p>
+            <a:r>
+              <a:rPr lang="en-US" dirty="0" smtClean="0"/>
+              <a:t>LOOPS:</a:t>
+            </a:r>
+          </a:p>
+          <a:p>
+            <a:pPr fontAlgn="base"/>
+            <a:r>
+              <a:rPr lang="en-US" u="sng" dirty="0">
+                <a:hlinkClick r:id="rId2"/>
+              </a:rPr>
+              <a:t>JavaScript for Loop</a:t>
+            </a:r>
+            <a:endParaRPr lang="en-US" dirty="0"/>
+          </a:p>
+          <a:p>
+            <a:pPr fontAlgn="base"/>
+            <a:r>
+              <a:rPr lang="en-US" u="sng" dirty="0">
+                <a:hlinkClick r:id="rId3"/>
+              </a:rPr>
+              <a:t>JavaScript while Loop</a:t>
+            </a:r>
+            <a:endParaRPr lang="en-US" dirty="0"/>
+          </a:p>
+          <a:p>
+            <a:pPr fontAlgn="base"/>
+            <a:r>
+              <a:rPr lang="en-US" u="sng" dirty="0">
+                <a:hlinkClick r:id="rId4"/>
+              </a:rPr>
+              <a:t>JavaScript do-while Loop</a:t>
+            </a:r>
+            <a:endParaRPr lang="en-US" dirty="0"/>
+          </a:p>
+          <a:p>
+            <a:pPr fontAlgn="base"/>
+            <a:r>
+              <a:rPr lang="en-US" u="sng" dirty="0">
+                <a:hlinkClick r:id="rId5"/>
+              </a:rPr>
+              <a:t>JavaScript for-in Loop</a:t>
+            </a:r>
+            <a:endParaRPr lang="en-US" dirty="0"/>
+          </a:p>
+          <a:p>
+            <a:pPr fontAlgn="base"/>
+            <a:r>
+              <a:rPr lang="en-US" u="sng" dirty="0">
+                <a:hlinkClick r:id="rId6"/>
+              </a:rPr>
+              <a:t>JavaScript for-of Loop</a:t>
+            </a:r>
+            <a:endParaRPr lang="en-US" dirty="0"/>
+          </a:p>
+          <a:p>
+            <a:pPr fontAlgn="base"/>
+            <a:r>
+              <a:rPr lang="en-US" u="sng" dirty="0">
+                <a:hlinkClick r:id="rId7"/>
+              </a:rPr>
+              <a:t>JavaScript </a:t>
+            </a:r>
+            <a:r>
+              <a:rPr lang="en-US" u="sng" dirty="0" err="1">
+                <a:hlinkClick r:id="rId7"/>
+              </a:rPr>
+              <a:t>forEach</a:t>
+            </a:r>
+            <a:r>
+              <a:rPr lang="en-US" u="sng" dirty="0">
+                <a:hlinkClick r:id="rId7"/>
+              </a:rPr>
+              <a:t> loop</a:t>
+            </a:r>
+            <a:endParaRPr lang="en-US" dirty="0"/>
+          </a:p>
+          <a:p>
+            <a:pPr fontAlgn="base"/>
+            <a:r>
+              <a:rPr lang="en-US" u="sng" dirty="0">
+                <a:hlinkClick r:id="rId8"/>
+              </a:rPr>
+              <a:t>JavaScript map Loop</a:t>
+            </a:r>
+            <a:endParaRPr lang="en-US" dirty="0"/>
           </a:p>
           <a:p>
             <a:endParaRPr lang="en-US" dirty="0"/>
@@ -4774,7 +8087,7 @@
     </p:spTree>
     <p:extLst>
       <p:ext uri="{BB962C8B-B14F-4D97-AF65-F5344CB8AC3E}">
-        <p14:creationId xmlns:p14="http://schemas.microsoft.com/office/powerpoint/2010/main" val="140761546"/>
+        <p14:creationId xmlns:p14="http://schemas.microsoft.com/office/powerpoint/2010/main" val="2667650661"/>
       </p:ext>
     </p:extLst>
   </p:cSld>
@@ -4824,9 +8137,10 @@
           <a:lstStyle/>
           <a:p>
             <a:r>
-              <a:rPr lang="en-US" dirty="0"/>
-              <a:t>Browser APIs</a:t>
-            </a:r>
+              <a:rPr lang="en-US" dirty="0" smtClean="0"/>
+              <a:t>Functions 1</a:t>
+            </a:r>
+            <a:endParaRPr lang="en-US" dirty="0"/>
           </a:p>
         </p:txBody>
       </p:sp>
@@ -4842,40 +8156,92 @@
         </p:nvSpPr>
         <p:spPr/>
         <p:txBody>
-          <a:bodyPr/>
-          <a:lstStyle/>
-          <a:p>
-            <a:r>
-              <a:rPr lang="en-US" dirty="0"/>
-              <a:t>Local Storage, </a:t>
-            </a:r>
-          </a:p>
-          <a:p>
-            <a:r>
-              <a:rPr lang="en-US" dirty="0"/>
-              <a:t>Fetch API, </a:t>
-            </a:r>
-          </a:p>
-          <a:p>
-            <a:r>
-              <a:rPr lang="en-US" dirty="0"/>
-              <a:t>Geolocation API, </a:t>
-            </a:r>
-          </a:p>
-          <a:p>
+          <a:bodyPr>
+            <a:normAutofit fontScale="92500" lnSpcReduction="20000"/>
+          </a:bodyPr>
+          <a:lstStyle/>
+          <a:p>
+            <a:r>
+              <a:rPr lang="en-US" dirty="0">
+                <a:hlinkClick r:id="rId2"/>
+              </a:rPr>
+              <a:t>https://</a:t>
+            </a:r>
+            <a:r>
+              <a:rPr lang="en-US" dirty="0" smtClean="0">
+                <a:hlinkClick r:id="rId2"/>
+              </a:rPr>
+              <a:t>www.w3schools.com/js/js_functions.asp</a:t>
+            </a:r>
+            <a:endParaRPr lang="en-US" dirty="0" smtClean="0"/>
+          </a:p>
+          <a:p>
+            <a:r>
+              <a:rPr lang="en-US" dirty="0" smtClean="0"/>
+              <a:t>Declaring </a:t>
+            </a:r>
+            <a:r>
+              <a:rPr lang="en-US" dirty="0" smtClean="0"/>
+              <a:t>functions &amp; Syntax and </a:t>
+            </a:r>
+            <a:r>
+              <a:rPr lang="en-US" dirty="0" smtClean="0"/>
+              <a:t>Invocation &amp; Return</a:t>
+            </a:r>
+            <a:r>
+              <a:rPr lang="en-US" dirty="0" smtClean="0"/>
+              <a:t>,</a:t>
+            </a:r>
+            <a:endParaRPr lang="en-US" dirty="0"/>
+          </a:p>
+          <a:p>
+            <a:r>
+              <a:rPr lang="en-US" dirty="0"/>
+              <a:t>Function expressions vs. function declarations,</a:t>
+            </a:r>
+          </a:p>
+          <a:p>
+            <a:r>
+              <a:rPr lang="en-US" dirty="0"/>
+              <a:t>Arrow functions,</a:t>
+            </a:r>
+          </a:p>
+          <a:p>
+            <a:r>
+              <a:rPr lang="en-US" dirty="0"/>
+              <a:t>Higher-order functions,</a:t>
+            </a:r>
+          </a:p>
+          <a:p>
+            <a:r>
+              <a:rPr lang="en-US" dirty="0"/>
+              <a:t>Closures,</a:t>
+            </a:r>
+          </a:p>
+          <a:p>
+            <a:r>
+              <a:rPr lang="en-US" dirty="0"/>
+              <a:t>Asynchronous JavaScript: Callbacks, Promises, </a:t>
+            </a:r>
             <a:r>
               <a:rPr lang="en-US" dirty="0" err="1"/>
-              <a:t>WebSockets</a:t>
-            </a:r>
-            <a:r>
-              <a:rPr lang="en-US" dirty="0"/>
-              <a:t>, </a:t>
-            </a:r>
-          </a:p>
-          <a:p>
-            <a:r>
-              <a:rPr lang="en-US" dirty="0"/>
-              <a:t>Canvas API.</a:t>
+              <a:t>async</a:t>
+            </a:r>
+            <a:r>
+              <a:rPr lang="en-US" dirty="0"/>
+              <a:t>/await, Error handling in asynchronous code,</a:t>
+            </a:r>
+          </a:p>
+          <a:p>
+            <a:r>
+              <a:rPr lang="en-US" dirty="0"/>
+              <a:t>Functional Programming: Higher-order functions, Pure functions, Immutability,</a:t>
+            </a:r>
+          </a:p>
+          <a:p>
+            <a:r>
+              <a:rPr lang="en-US" dirty="0"/>
+              <a:t>First-class citizens</a:t>
             </a:r>
           </a:p>
           <a:p>
@@ -4886,7 +8252,7 @@
     </p:spTree>
     <p:extLst>
       <p:ext uri="{BB962C8B-B14F-4D97-AF65-F5344CB8AC3E}">
-        <p14:creationId xmlns:p14="http://schemas.microsoft.com/office/powerpoint/2010/main" val="3275201780"/>
+        <p14:creationId xmlns:p14="http://schemas.microsoft.com/office/powerpoint/2010/main" val="584963930"/>
       </p:ext>
     </p:extLst>
   </p:cSld>
@@ -4936,9 +8302,10 @@
           <a:lstStyle/>
           <a:p>
             <a:r>
-              <a:rPr lang="en-US" dirty="0"/>
-              <a:t>ES6+ Features</a:t>
-            </a:r>
+              <a:rPr lang="en-US" dirty="0" smtClean="0"/>
+              <a:t>Functions 2</a:t>
+            </a:r>
+            <a:endParaRPr lang="en-US" dirty="0"/>
           </a:p>
         </p:txBody>
       </p:sp>
@@ -4949,76 +8316,77 @@
             <a:spLocks noGrp="1"/>
           </p:cNvSpPr>
           <p:nvPr>
-            <p:ph idx="1"/>
-          </p:nvPr>
-        </p:nvSpPr>
-        <p:spPr/>
-        <p:txBody>
-          <a:bodyPr/>
-          <a:lstStyle/>
-          <a:p>
-            <a:r>
-              <a:rPr lang="en-US" dirty="0"/>
-              <a:t>Template literals, </a:t>
-            </a:r>
-          </a:p>
-          <a:p>
-            <a:r>
-              <a:rPr lang="en-US" dirty="0" err="1"/>
-              <a:t>Destructuring</a:t>
-            </a:r>
-            <a:r>
-              <a:rPr lang="en-US" dirty="0"/>
-              <a:t>, </a:t>
-            </a:r>
-          </a:p>
-          <a:p>
-            <a:r>
-              <a:rPr lang="en-US" dirty="0"/>
-              <a:t>Default parameters, </a:t>
-            </a:r>
-          </a:p>
-          <a:p>
-            <a:r>
-              <a:rPr lang="en-US" dirty="0"/>
-              <a:t>Rest and spread operators, </a:t>
-            </a:r>
-          </a:p>
-          <a:p>
-            <a:r>
-              <a:rPr lang="en-US" dirty="0"/>
-              <a:t>Modules, </a:t>
-            </a:r>
-          </a:p>
-          <a:p>
-            <a:r>
-              <a:rPr lang="en-US" dirty="0"/>
-              <a:t>let and </a:t>
-            </a:r>
-            <a:r>
-              <a:rPr lang="en-US" dirty="0" err="1"/>
-              <a:t>const</a:t>
-            </a:r>
-            <a:r>
-              <a:rPr lang="en-US" dirty="0"/>
-              <a:t>,</a:t>
-            </a:r>
-          </a:p>
-          <a:p>
-            <a:r>
-              <a:rPr lang="en-US" dirty="0"/>
-              <a:t>Symbol (ES6)</a:t>
-            </a:r>
-          </a:p>
-          <a:p>
-            <a:endParaRPr lang="en-US" dirty="0"/>
+            <p:ph sz="half" idx="1"/>
+          </p:nvPr>
+        </p:nvSpPr>
+        <p:spPr/>
+        <p:txBody>
+          <a:bodyPr/>
+          <a:lstStyle/>
+          <a:p>
+            <a:pPr fontAlgn="base"/>
+            <a:r>
+              <a:rPr lang="en-US" u="sng" dirty="0">
+                <a:hlinkClick r:id="rId2"/>
+              </a:rPr>
+              <a:t>Function Declaration</a:t>
+            </a:r>
+            <a:endParaRPr lang="en-US" dirty="0"/>
+          </a:p>
+          <a:p>
+            <a:pPr fontAlgn="base"/>
+            <a:r>
+              <a:rPr lang="en-US" u="sng" dirty="0">
+                <a:hlinkClick r:id="rId3"/>
+              </a:rPr>
+              <a:t>Function Expression</a:t>
+            </a:r>
+            <a:endParaRPr lang="en-US" dirty="0"/>
+          </a:p>
+          <a:p>
+            <a:pPr fontAlgn="base"/>
+            <a:r>
+              <a:rPr lang="en-US" u="sng" dirty="0">
+                <a:hlinkClick r:id="rId4"/>
+              </a:rPr>
+              <a:t>Arrow Functions</a:t>
+            </a:r>
+            <a:endParaRPr lang="en-US" dirty="0"/>
+          </a:p>
+          <a:p>
+            <a:r>
+              <a:rPr lang="en-US" b="1" dirty="0"/>
+              <a:t>Difference Between Function and Method</a:t>
+            </a:r>
+          </a:p>
+          <a:p>
+            <a:endParaRPr lang="en-US" dirty="0"/>
+          </a:p>
+        </p:txBody>
+      </p:sp>
+      <p:sp>
+        <p:nvSpPr>
+          <p:cNvPr id="4" name="Content Placeholder 3"/>
+          <p:cNvSpPr>
+            <a:spLocks noGrp="1"/>
+          </p:cNvSpPr>
+          <p:nvPr>
+            <p:ph sz="half" idx="2"/>
+          </p:nvPr>
+        </p:nvSpPr>
+        <p:spPr/>
+        <p:txBody>
+          <a:bodyPr/>
+          <a:lstStyle/>
+          <a:p>
+            <a:endParaRPr lang="en-US"/>
           </a:p>
         </p:txBody>
       </p:sp>
     </p:spTree>
     <p:extLst>
       <p:ext uri="{BB962C8B-B14F-4D97-AF65-F5344CB8AC3E}">
-        <p14:creationId xmlns:p14="http://schemas.microsoft.com/office/powerpoint/2010/main" val="997767887"/>
+        <p14:creationId xmlns:p14="http://schemas.microsoft.com/office/powerpoint/2010/main" val="2940113823"/>
       </p:ext>
     </p:extLst>
   </p:cSld>
